--- a/src/main/resources/建造者模式.pptx
+++ b/src/main/resources/建造者模式.pptx
@@ -5,20 +5,24 @@
     <p:sldMasterId id="2147483648" r:id="rId1"/>
   </p:sldMasterIdLst>
   <p:sldIdLst>
-    <p:sldId id="256" r:id="rId2"/>
-    <p:sldId id="257" r:id="rId3"/>
-    <p:sldId id="258" r:id="rId4"/>
-    <p:sldId id="259" r:id="rId5"/>
-    <p:sldId id="260" r:id="rId6"/>
-    <p:sldId id="261" r:id="rId7"/>
-    <p:sldId id="262" r:id="rId8"/>
-    <p:sldId id="263" r:id="rId9"/>
-    <p:sldId id="264" r:id="rId10"/>
-    <p:sldId id="265" r:id="rId11"/>
-    <p:sldId id="266" r:id="rId12"/>
-    <p:sldId id="267" r:id="rId13"/>
-    <p:sldId id="268" r:id="rId14"/>
-    <p:sldId id="269" r:id="rId15"/>
+    <p:sldId id="256" r:id="rId3"/>
+    <p:sldId id="257" r:id="rId4"/>
+    <p:sldId id="258" r:id="rId5"/>
+    <p:sldId id="270" r:id="rId6"/>
+    <p:sldId id="271" r:id="rId7"/>
+    <p:sldId id="272" r:id="rId8"/>
+    <p:sldId id="259" r:id="rId9"/>
+    <p:sldId id="260" r:id="rId10"/>
+    <p:sldId id="261" r:id="rId11"/>
+    <p:sldId id="262" r:id="rId12"/>
+    <p:sldId id="263" r:id="rId13"/>
+    <p:sldId id="264" r:id="rId14"/>
+    <p:sldId id="265" r:id="rId15"/>
+    <p:sldId id="266" r:id="rId16"/>
+    <p:sldId id="267" r:id="rId17"/>
+    <p:sldId id="268" r:id="rId18"/>
+    <p:sldId id="269" r:id="rId19"/>
+    <p:sldId id="273" r:id="rId20"/>
   </p:sldIdLst>
   <p:sldSz cx="12192000" cy="6858000"/>
   <p:notesSz cx="6858000" cy="9144000"/>
@@ -308,8 +312,6 @@
           <a:p>
             <a:fld id="{B61BEF0D-F0BB-DE4B-95CE-6DB70DBA9567}" type="datetimeFigureOut">
               <a:rPr lang="en-US" dirty="0"/>
-              <a:pPr/>
-              <a:t>9/9/2019</a:t>
             </a:fld>
             <a:endParaRPr lang="en-US" dirty="0"/>
           </a:p>
@@ -438,8 +440,6 @@
           <a:p>
             <a:fld id="{D57F1E4F-1CFF-5643-939E-217C01CDF565}" type="slidenum">
               <a:rPr lang="en-US" dirty="0"/>
-              <a:pPr/>
-              <a:t>‹#›</a:t>
             </a:fld>
             <a:endParaRPr lang="en-US" dirty="0"/>
           </a:p>
@@ -623,6 +623,7 @@
               <a:rPr lang="zh-CN" altLang="en-US"/>
               <a:t>单击此处编辑母版文本样式</a:t>
             </a:r>
+            <a:endParaRPr lang="zh-CN" altLang="en-US"/>
           </a:p>
         </p:txBody>
       </p:sp>
@@ -643,8 +644,6 @@
           <a:p>
             <a:fld id="{B61BEF0D-F0BB-DE4B-95CE-6DB70DBA9567}" type="datetimeFigureOut">
               <a:rPr lang="en-US" dirty="0"/>
-              <a:pPr/>
-              <a:t>9/9/2019</a:t>
             </a:fld>
             <a:endParaRPr lang="en-US" dirty="0"/>
           </a:p>
@@ -773,8 +772,6 @@
           <a:p>
             <a:fld id="{D57F1E4F-1CFF-5643-939E-217C01CDF565}" type="slidenum">
               <a:rPr lang="en-US" dirty="0"/>
-              <a:pPr/>
-              <a:t>‹#›</a:t>
             </a:fld>
             <a:endParaRPr lang="en-US" dirty="0"/>
           </a:p>
@@ -899,6 +896,7 @@
               <a:rPr lang="zh-CN" altLang="en-US"/>
               <a:t>单击此处编辑母版文本样式</a:t>
             </a:r>
+            <a:endParaRPr lang="zh-CN" altLang="en-US"/>
           </a:p>
         </p:txBody>
       </p:sp>
@@ -1021,6 +1019,7 @@
               <a:rPr lang="zh-CN" altLang="en-US"/>
               <a:t>单击此处编辑母版文本样式</a:t>
             </a:r>
+            <a:endParaRPr lang="zh-CN" altLang="en-US"/>
           </a:p>
         </p:txBody>
       </p:sp>
@@ -1041,8 +1040,6 @@
           <a:p>
             <a:fld id="{B61BEF0D-F0BB-DE4B-95CE-6DB70DBA9567}" type="datetimeFigureOut">
               <a:rPr lang="en-US" dirty="0"/>
-              <a:pPr/>
-              <a:t>9/9/2019</a:t>
             </a:fld>
             <a:endParaRPr lang="en-US" dirty="0"/>
           </a:p>
@@ -1171,8 +1168,6 @@
           <a:p>
             <a:fld id="{D57F1E4F-1CFF-5643-939E-217C01CDF565}" type="slidenum">
               <a:rPr lang="en-US" dirty="0"/>
-              <a:pPr/>
-              <a:t>‹#›</a:t>
             </a:fld>
             <a:endParaRPr lang="en-US" dirty="0"/>
           </a:p>
@@ -1209,10 +1204,20 @@
                   <a:schemeClr val="accent1"/>
                 </a:solidFill>
                 <a:effectLst/>
-                <a:latin typeface="Arial"/>
+                <a:latin typeface="Arial" panose="020B0604020202020204"/>
               </a:rPr>
               <a:t>“</a:t>
             </a:r>
+            <a:endParaRPr lang="en-US" sz="8000" baseline="0" dirty="0">
+              <a:ln w="3175" cmpd="sng">
+                <a:noFill/>
+              </a:ln>
+              <a:solidFill>
+                <a:schemeClr val="accent1"/>
+              </a:solidFill>
+              <a:effectLst/>
+              <a:latin typeface="Arial" panose="020B0604020202020204"/>
+            </a:endParaRPr>
           </a:p>
         </p:txBody>
       </p:sp>
@@ -1247,10 +1252,20 @@
                   <a:schemeClr val="accent1"/>
                 </a:solidFill>
                 <a:effectLst/>
-                <a:latin typeface="Arial"/>
+                <a:latin typeface="Arial" panose="020B0604020202020204"/>
               </a:rPr>
               <a:t>”</a:t>
             </a:r>
+            <a:endParaRPr lang="en-US" sz="8000" baseline="0" dirty="0">
+              <a:ln w="3175" cmpd="sng">
+                <a:noFill/>
+              </a:ln>
+              <a:solidFill>
+                <a:schemeClr val="accent1"/>
+              </a:solidFill>
+              <a:effectLst/>
+              <a:latin typeface="Arial" panose="020B0604020202020204"/>
+            </a:endParaRPr>
           </a:p>
         </p:txBody>
       </p:sp>
@@ -1354,6 +1369,7 @@
               <a:rPr lang="zh-CN" altLang="en-US"/>
               <a:t>单击此处编辑母版文本样式</a:t>
             </a:r>
+            <a:endParaRPr lang="zh-CN" altLang="en-US"/>
           </a:p>
         </p:txBody>
       </p:sp>
@@ -1374,8 +1390,6 @@
           <a:p>
             <a:fld id="{B61BEF0D-F0BB-DE4B-95CE-6DB70DBA9567}" type="datetimeFigureOut">
               <a:rPr lang="en-US" dirty="0"/>
-              <a:pPr/>
-              <a:t>9/9/2019</a:t>
             </a:fld>
             <a:endParaRPr lang="en-US" dirty="0"/>
           </a:p>
@@ -1504,8 +1518,6 @@
           <a:p>
             <a:fld id="{D57F1E4F-1CFF-5643-939E-217C01CDF565}" type="slidenum">
               <a:rPr lang="en-US" dirty="0"/>
-              <a:pPr/>
-              <a:t>‹#›</a:t>
             </a:fld>
             <a:endParaRPr lang="en-US" dirty="0"/>
           </a:p>
@@ -1627,6 +1639,7 @@
               <a:rPr lang="zh-CN" altLang="en-US"/>
               <a:t>单击此处编辑母版文本样式</a:t>
             </a:r>
+            <a:endParaRPr lang="zh-CN" altLang="en-US"/>
           </a:p>
         </p:txBody>
       </p:sp>
@@ -1671,6 +1684,7 @@
               <a:rPr lang="zh-CN" altLang="en-US"/>
               <a:t>单击此处编辑母版文本样式</a:t>
             </a:r>
+            <a:endParaRPr lang="zh-CN" altLang="en-US"/>
           </a:p>
         </p:txBody>
       </p:sp>
@@ -1691,8 +1705,6 @@
           <a:p>
             <a:fld id="{B61BEF0D-F0BB-DE4B-95CE-6DB70DBA9567}" type="datetimeFigureOut">
               <a:rPr lang="en-US" dirty="0"/>
-              <a:pPr/>
-              <a:t>9/9/2019</a:t>
             </a:fld>
             <a:endParaRPr lang="en-US" dirty="0"/>
           </a:p>
@@ -1821,8 +1833,6 @@
           <a:p>
             <a:fld id="{D57F1E4F-1CFF-5643-939E-217C01CDF565}" type="slidenum">
               <a:rPr lang="en-US" dirty="0"/>
-              <a:pPr/>
-              <a:t>‹#›</a:t>
             </a:fld>
             <a:endParaRPr lang="en-US" dirty="0"/>
           </a:p>
@@ -1859,10 +1869,20 @@
                   <a:schemeClr val="accent1"/>
                 </a:solidFill>
                 <a:effectLst/>
-                <a:latin typeface="Arial"/>
+                <a:latin typeface="Arial" panose="020B0604020202020204"/>
               </a:rPr>
               <a:t>“</a:t>
             </a:r>
+            <a:endParaRPr lang="en-US" sz="8000" baseline="0" dirty="0">
+              <a:ln w="3175" cmpd="sng">
+                <a:noFill/>
+              </a:ln>
+              <a:solidFill>
+                <a:schemeClr val="accent1"/>
+              </a:solidFill>
+              <a:effectLst/>
+              <a:latin typeface="Arial" panose="020B0604020202020204"/>
+            </a:endParaRPr>
           </a:p>
         </p:txBody>
       </p:sp>
@@ -1897,10 +1917,20 @@
                   <a:schemeClr val="accent1"/>
                 </a:solidFill>
                 <a:effectLst/>
-                <a:latin typeface="Arial"/>
+                <a:latin typeface="Arial" panose="020B0604020202020204"/>
               </a:rPr>
               <a:t>”</a:t>
             </a:r>
+            <a:endParaRPr lang="en-US" sz="8000" baseline="0" dirty="0">
+              <a:ln w="3175" cmpd="sng">
+                <a:noFill/>
+              </a:ln>
+              <a:solidFill>
+                <a:schemeClr val="accent1"/>
+              </a:solidFill>
+              <a:effectLst/>
+              <a:latin typeface="Arial" panose="020B0604020202020204"/>
+            </a:endParaRPr>
           </a:p>
         </p:txBody>
       </p:sp>
@@ -2020,6 +2050,7 @@
               <a:rPr lang="zh-CN" altLang="en-US"/>
               <a:t>单击此处编辑母版文本样式</a:t>
             </a:r>
+            <a:endParaRPr lang="zh-CN" altLang="en-US"/>
           </a:p>
         </p:txBody>
       </p:sp>
@@ -2064,6 +2095,7 @@
               <a:rPr lang="zh-CN" altLang="en-US"/>
               <a:t>单击此处编辑母版文本样式</a:t>
             </a:r>
+            <a:endParaRPr lang="zh-CN" altLang="en-US"/>
           </a:p>
         </p:txBody>
       </p:sp>
@@ -2084,8 +2116,6 @@
           <a:p>
             <a:fld id="{B61BEF0D-F0BB-DE4B-95CE-6DB70DBA9567}" type="datetimeFigureOut">
               <a:rPr lang="en-US" dirty="0"/>
-              <a:pPr/>
-              <a:t>9/9/2019</a:t>
             </a:fld>
             <a:endParaRPr lang="en-US" dirty="0"/>
           </a:p>
@@ -2214,8 +2244,6 @@
           <a:p>
             <a:fld id="{D57F1E4F-1CFF-5643-939E-217C01CDF565}" type="slidenum">
               <a:rPr lang="en-US" dirty="0"/>
-              <a:pPr/>
-              <a:t>‹#›</a:t>
             </a:fld>
             <a:endParaRPr lang="en-US" dirty="0"/>
           </a:p>
@@ -2289,6 +2317,7 @@
               <a:rPr lang="zh-CN" altLang="en-US"/>
               <a:t>单击此处编辑母版文本样式</a:t>
             </a:r>
+            <a:endParaRPr lang="zh-CN" altLang="en-US"/>
           </a:p>
           <a:p>
             <a:pPr lvl="1"/>
@@ -2296,6 +2325,7 @@
               <a:rPr lang="zh-CN" altLang="en-US"/>
               <a:t>二级</a:t>
             </a:r>
+            <a:endParaRPr lang="zh-CN" altLang="en-US"/>
           </a:p>
           <a:p>
             <a:pPr lvl="2"/>
@@ -2303,6 +2333,7 @@
               <a:rPr lang="zh-CN" altLang="en-US"/>
               <a:t>三级</a:t>
             </a:r>
+            <a:endParaRPr lang="zh-CN" altLang="en-US"/>
           </a:p>
           <a:p>
             <a:pPr lvl="3"/>
@@ -2310,6 +2341,7 @@
               <a:rPr lang="zh-CN" altLang="en-US"/>
               <a:t>四级</a:t>
             </a:r>
+            <a:endParaRPr lang="zh-CN" altLang="en-US"/>
           </a:p>
           <a:p>
             <a:pPr lvl="4"/>
@@ -2338,8 +2370,6 @@
           <a:p>
             <a:fld id="{B61BEF0D-F0BB-DE4B-95CE-6DB70DBA9567}" type="datetimeFigureOut">
               <a:rPr lang="en-US" dirty="0"/>
-              <a:pPr/>
-              <a:t>9/9/2019</a:t>
             </a:fld>
             <a:endParaRPr lang="en-US" dirty="0"/>
           </a:p>
@@ -2463,8 +2493,6 @@
           <a:p>
             <a:fld id="{D57F1E4F-1CFF-5643-939E-217C01CDF565}" type="slidenum">
               <a:rPr lang="en-US" dirty="0"/>
-              <a:pPr/>
-              <a:t>‹#›</a:t>
             </a:fld>
             <a:endParaRPr lang="en-US" dirty="0"/>
           </a:p>
@@ -2548,6 +2576,7 @@
               <a:rPr lang="zh-CN" altLang="en-US"/>
               <a:t>单击此处编辑母版文本样式</a:t>
             </a:r>
+            <a:endParaRPr lang="zh-CN" altLang="en-US"/>
           </a:p>
           <a:p>
             <a:pPr lvl="1"/>
@@ -2555,6 +2584,7 @@
               <a:rPr lang="zh-CN" altLang="en-US"/>
               <a:t>二级</a:t>
             </a:r>
+            <a:endParaRPr lang="zh-CN" altLang="en-US"/>
           </a:p>
           <a:p>
             <a:pPr lvl="2"/>
@@ -2562,6 +2592,7 @@
               <a:rPr lang="zh-CN" altLang="en-US"/>
               <a:t>三级</a:t>
             </a:r>
+            <a:endParaRPr lang="zh-CN" altLang="en-US"/>
           </a:p>
           <a:p>
             <a:pPr lvl="3"/>
@@ -2569,6 +2600,7 @@
               <a:rPr lang="zh-CN" altLang="en-US"/>
               <a:t>四级</a:t>
             </a:r>
+            <a:endParaRPr lang="zh-CN" altLang="en-US"/>
           </a:p>
           <a:p>
             <a:pPr lvl="4"/>
@@ -2597,8 +2629,6 @@
           <a:p>
             <a:fld id="{B61BEF0D-F0BB-DE4B-95CE-6DB70DBA9567}" type="datetimeFigureOut">
               <a:rPr lang="en-US" dirty="0"/>
-              <a:pPr/>
-              <a:t>9/9/2019</a:t>
             </a:fld>
             <a:endParaRPr lang="en-US" dirty="0"/>
           </a:p>
@@ -2722,8 +2752,6 @@
           <a:p>
             <a:fld id="{D57F1E4F-1CFF-5643-939E-217C01CDF565}" type="slidenum">
               <a:rPr lang="en-US" dirty="0"/>
-              <a:pPr/>
-              <a:t>‹#›</a:t>
             </a:fld>
             <a:endParaRPr lang="en-US" dirty="0"/>
           </a:p>
@@ -2807,6 +2835,7 @@
               <a:rPr lang="zh-CN" altLang="en-US"/>
               <a:t>单击此处编辑母版文本样式</a:t>
             </a:r>
+            <a:endParaRPr lang="zh-CN" altLang="en-US"/>
           </a:p>
           <a:p>
             <a:pPr lvl="1"/>
@@ -2814,6 +2843,7 @@
               <a:rPr lang="zh-CN" altLang="en-US"/>
               <a:t>二级</a:t>
             </a:r>
+            <a:endParaRPr lang="zh-CN" altLang="en-US"/>
           </a:p>
           <a:p>
             <a:pPr lvl="2"/>
@@ -2821,6 +2851,7 @@
               <a:rPr lang="zh-CN" altLang="en-US"/>
               <a:t>三级</a:t>
             </a:r>
+            <a:endParaRPr lang="zh-CN" altLang="en-US"/>
           </a:p>
           <a:p>
             <a:pPr lvl="3"/>
@@ -2828,6 +2859,7 @@
               <a:rPr lang="zh-CN" altLang="en-US"/>
               <a:t>四级</a:t>
             </a:r>
+            <a:endParaRPr lang="zh-CN" altLang="en-US"/>
           </a:p>
           <a:p>
             <a:pPr lvl="4"/>
@@ -2856,8 +2888,6 @@
           <a:p>
             <a:fld id="{B61BEF0D-F0BB-DE4B-95CE-6DB70DBA9567}" type="datetimeFigureOut">
               <a:rPr lang="en-US" dirty="0"/>
-              <a:pPr/>
-              <a:t>9/9/2019</a:t>
             </a:fld>
             <a:endParaRPr lang="en-US" dirty="0"/>
           </a:p>
@@ -2981,8 +3011,6 @@
           <a:p>
             <a:fld id="{D57F1E4F-1CFF-5643-939E-217C01CDF565}" type="slidenum">
               <a:rPr lang="en-US" dirty="0"/>
-              <a:pPr/>
-              <a:t>‹#›</a:t>
             </a:fld>
             <a:endParaRPr lang="en-US" dirty="0"/>
           </a:p>
@@ -3162,6 +3190,7 @@
               <a:rPr lang="zh-CN" altLang="en-US"/>
               <a:t>单击此处编辑母版文本样式</a:t>
             </a:r>
+            <a:endParaRPr lang="zh-CN" altLang="en-US"/>
           </a:p>
         </p:txBody>
       </p:sp>
@@ -3182,8 +3211,6 @@
           <a:p>
             <a:fld id="{B61BEF0D-F0BB-DE4B-95CE-6DB70DBA9567}" type="datetimeFigureOut">
               <a:rPr lang="en-US" dirty="0"/>
-              <a:pPr/>
-              <a:t>9/9/2019</a:t>
             </a:fld>
             <a:endParaRPr lang="en-US" dirty="0"/>
           </a:p>
@@ -3312,8 +3339,6 @@
           <a:p>
             <a:fld id="{D57F1E4F-1CFF-5643-939E-217C01CDF565}" type="slidenum">
               <a:rPr lang="en-US" dirty="0"/>
-              <a:pPr/>
-              <a:t>‹#›</a:t>
             </a:fld>
             <a:endParaRPr lang="en-US" dirty="0"/>
           </a:p>
@@ -3394,6 +3419,7 @@
               <a:rPr lang="zh-CN" altLang="en-US"/>
               <a:t>单击此处编辑母版文本样式</a:t>
             </a:r>
+            <a:endParaRPr lang="zh-CN" altLang="en-US"/>
           </a:p>
           <a:p>
             <a:pPr lvl="1"/>
@@ -3401,6 +3427,7 @@
               <a:rPr lang="zh-CN" altLang="en-US"/>
               <a:t>二级</a:t>
             </a:r>
+            <a:endParaRPr lang="zh-CN" altLang="en-US"/>
           </a:p>
           <a:p>
             <a:pPr lvl="2"/>
@@ -3408,6 +3435,7 @@
               <a:rPr lang="zh-CN" altLang="en-US"/>
               <a:t>三级</a:t>
             </a:r>
+            <a:endParaRPr lang="zh-CN" altLang="en-US"/>
           </a:p>
           <a:p>
             <a:pPr lvl="3"/>
@@ -3415,6 +3443,7 @@
               <a:rPr lang="zh-CN" altLang="en-US"/>
               <a:t>四级</a:t>
             </a:r>
+            <a:endParaRPr lang="zh-CN" altLang="en-US"/>
           </a:p>
           <a:p>
             <a:pPr lvl="4"/>
@@ -3453,6 +3482,7 @@
               <a:rPr lang="zh-CN" altLang="en-US"/>
               <a:t>单击此处编辑母版文本样式</a:t>
             </a:r>
+            <a:endParaRPr lang="zh-CN" altLang="en-US"/>
           </a:p>
           <a:p>
             <a:pPr lvl="1"/>
@@ -3460,6 +3490,7 @@
               <a:rPr lang="zh-CN" altLang="en-US"/>
               <a:t>二级</a:t>
             </a:r>
+            <a:endParaRPr lang="zh-CN" altLang="en-US"/>
           </a:p>
           <a:p>
             <a:pPr lvl="2"/>
@@ -3467,6 +3498,7 @@
               <a:rPr lang="zh-CN" altLang="en-US"/>
               <a:t>三级</a:t>
             </a:r>
+            <a:endParaRPr lang="zh-CN" altLang="en-US"/>
           </a:p>
           <a:p>
             <a:pPr lvl="3"/>
@@ -3474,6 +3506,7 @@
               <a:rPr lang="zh-CN" altLang="en-US"/>
               <a:t>四级</a:t>
             </a:r>
+            <a:endParaRPr lang="zh-CN" altLang="en-US"/>
           </a:p>
           <a:p>
             <a:pPr lvl="4"/>
@@ -3502,8 +3535,6 @@
           <a:p>
             <a:fld id="{B61BEF0D-F0BB-DE4B-95CE-6DB70DBA9567}" type="datetimeFigureOut">
               <a:rPr lang="en-US" dirty="0"/>
-              <a:pPr/>
-              <a:t>9/9/2019</a:t>
             </a:fld>
             <a:endParaRPr lang="en-US" dirty="0"/>
           </a:p>
@@ -3632,8 +3663,6 @@
           <a:p>
             <a:fld id="{D57F1E4F-1CFF-5643-939E-217C01CDF565}" type="slidenum">
               <a:rPr lang="en-US" dirty="0"/>
-              <a:pPr/>
-              <a:t>‹#›</a:t>
             </a:fld>
             <a:endParaRPr lang="en-US" dirty="0"/>
           </a:p>
@@ -3751,6 +3780,7 @@
               <a:rPr lang="zh-CN" altLang="en-US"/>
               <a:t>单击此处编辑母版文本样式</a:t>
             </a:r>
+            <a:endParaRPr lang="zh-CN" altLang="en-US"/>
           </a:p>
         </p:txBody>
       </p:sp>
@@ -3781,6 +3811,7 @@
               <a:rPr lang="zh-CN" altLang="en-US"/>
               <a:t>单击此处编辑母版文本样式</a:t>
             </a:r>
+            <a:endParaRPr lang="zh-CN" altLang="en-US"/>
           </a:p>
           <a:p>
             <a:pPr lvl="1"/>
@@ -3788,6 +3819,7 @@
               <a:rPr lang="zh-CN" altLang="en-US"/>
               <a:t>二级</a:t>
             </a:r>
+            <a:endParaRPr lang="zh-CN" altLang="en-US"/>
           </a:p>
           <a:p>
             <a:pPr lvl="2"/>
@@ -3795,6 +3827,7 @@
               <a:rPr lang="zh-CN" altLang="en-US"/>
               <a:t>三级</a:t>
             </a:r>
+            <a:endParaRPr lang="zh-CN" altLang="en-US"/>
           </a:p>
           <a:p>
             <a:pPr lvl="3"/>
@@ -3802,6 +3835,7 @@
               <a:rPr lang="zh-CN" altLang="en-US"/>
               <a:t>四级</a:t>
             </a:r>
+            <a:endParaRPr lang="zh-CN" altLang="en-US"/>
           </a:p>
           <a:p>
             <a:pPr lvl="4"/>
@@ -3877,6 +3911,7 @@
               <a:rPr lang="zh-CN" altLang="en-US"/>
               <a:t>单击此处编辑母版文本样式</a:t>
             </a:r>
+            <a:endParaRPr lang="zh-CN" altLang="en-US"/>
           </a:p>
         </p:txBody>
       </p:sp>
@@ -3907,6 +3942,7 @@
               <a:rPr lang="zh-CN" altLang="en-US"/>
               <a:t>单击此处编辑母版文本样式</a:t>
             </a:r>
+            <a:endParaRPr lang="zh-CN" altLang="en-US"/>
           </a:p>
           <a:p>
             <a:pPr lvl="1"/>
@@ -3914,6 +3950,7 @@
               <a:rPr lang="zh-CN" altLang="en-US"/>
               <a:t>二级</a:t>
             </a:r>
+            <a:endParaRPr lang="zh-CN" altLang="en-US"/>
           </a:p>
           <a:p>
             <a:pPr lvl="2"/>
@@ -3921,6 +3958,7 @@
               <a:rPr lang="zh-CN" altLang="en-US"/>
               <a:t>三级</a:t>
             </a:r>
+            <a:endParaRPr lang="zh-CN" altLang="en-US"/>
           </a:p>
           <a:p>
             <a:pPr lvl="3"/>
@@ -3928,6 +3966,7 @@
               <a:rPr lang="zh-CN" altLang="en-US"/>
               <a:t>四级</a:t>
             </a:r>
+            <a:endParaRPr lang="zh-CN" altLang="en-US"/>
           </a:p>
           <a:p>
             <a:pPr lvl="4"/>
@@ -3956,8 +3995,6 @@
           <a:p>
             <a:fld id="{B61BEF0D-F0BB-DE4B-95CE-6DB70DBA9567}" type="datetimeFigureOut">
               <a:rPr lang="en-US" dirty="0"/>
-              <a:pPr/>
-              <a:t>9/9/2019</a:t>
             </a:fld>
             <a:endParaRPr lang="en-US" dirty="0"/>
           </a:p>
@@ -4086,8 +4123,6 @@
           <a:p>
             <a:fld id="{D57F1E4F-1CFF-5643-939E-217C01CDF565}" type="slidenum">
               <a:rPr lang="en-US" dirty="0"/>
-              <a:pPr/>
-              <a:t>‹#›</a:t>
             </a:fld>
             <a:endParaRPr lang="en-US" dirty="0"/>
           </a:p>
@@ -4158,8 +4193,6 @@
           <a:p>
             <a:fld id="{B61BEF0D-F0BB-DE4B-95CE-6DB70DBA9567}" type="datetimeFigureOut">
               <a:rPr lang="en-US" dirty="0"/>
-              <a:pPr/>
-              <a:t>9/9/2019</a:t>
             </a:fld>
             <a:endParaRPr lang="en-US" dirty="0"/>
           </a:p>
@@ -4283,8 +4316,6 @@
           <a:p>
             <a:fld id="{D57F1E4F-1CFF-5643-939E-217C01CDF565}" type="slidenum">
               <a:rPr lang="en-US" dirty="0"/>
-              <a:pPr/>
-              <a:t>‹#›</a:t>
             </a:fld>
             <a:endParaRPr lang="en-US" dirty="0"/>
           </a:p>
@@ -4332,8 +4363,6 @@
           <a:p>
             <a:fld id="{B61BEF0D-F0BB-DE4B-95CE-6DB70DBA9567}" type="datetimeFigureOut">
               <a:rPr lang="en-US" dirty="0"/>
-              <a:pPr/>
-              <a:t>9/9/2019</a:t>
             </a:fld>
             <a:endParaRPr lang="en-US" dirty="0"/>
           </a:p>
@@ -4457,8 +4486,6 @@
           <a:p>
             <a:fld id="{D57F1E4F-1CFF-5643-939E-217C01CDF565}" type="slidenum">
               <a:rPr lang="en-US" dirty="0"/>
-              <a:pPr/>
-              <a:t>‹#›</a:t>
             </a:fld>
             <a:endParaRPr lang="en-US" dirty="0"/>
           </a:p>
@@ -4548,6 +4575,7 @@
               <a:rPr lang="zh-CN" altLang="en-US"/>
               <a:t>单击此处编辑母版文本样式</a:t>
             </a:r>
+            <a:endParaRPr lang="zh-CN" altLang="en-US"/>
           </a:p>
           <a:p>
             <a:pPr lvl="1"/>
@@ -4555,6 +4583,7 @@
               <a:rPr lang="zh-CN" altLang="en-US"/>
               <a:t>二级</a:t>
             </a:r>
+            <a:endParaRPr lang="zh-CN" altLang="en-US"/>
           </a:p>
           <a:p>
             <a:pPr lvl="2"/>
@@ -4562,6 +4591,7 @@
               <a:rPr lang="zh-CN" altLang="en-US"/>
               <a:t>三级</a:t>
             </a:r>
+            <a:endParaRPr lang="zh-CN" altLang="en-US"/>
           </a:p>
           <a:p>
             <a:pPr lvl="3"/>
@@ -4569,6 +4599,7 @@
               <a:rPr lang="zh-CN" altLang="en-US"/>
               <a:t>四级</a:t>
             </a:r>
+            <a:endParaRPr lang="zh-CN" altLang="en-US"/>
           </a:p>
           <a:p>
             <a:pPr lvl="4"/>
@@ -4642,6 +4673,7 @@
               <a:rPr lang="zh-CN" altLang="en-US"/>
               <a:t>单击此处编辑母版文本样式</a:t>
             </a:r>
+            <a:endParaRPr lang="zh-CN" altLang="en-US"/>
           </a:p>
         </p:txBody>
       </p:sp>
@@ -4662,8 +4694,6 @@
           <a:p>
             <a:fld id="{B61BEF0D-F0BB-DE4B-95CE-6DB70DBA9567}" type="datetimeFigureOut">
               <a:rPr lang="en-US" dirty="0"/>
-              <a:pPr/>
-              <a:t>9/9/2019</a:t>
             </a:fld>
             <a:endParaRPr lang="en-US" dirty="0"/>
           </a:p>
@@ -4787,8 +4817,6 @@
           <a:p>
             <a:fld id="{D57F1E4F-1CFF-5643-939E-217C01CDF565}" type="slidenum">
               <a:rPr lang="en-US" dirty="0"/>
-              <a:pPr/>
-              <a:t>‹#›</a:t>
             </a:fld>
             <a:endParaRPr lang="en-US" dirty="0"/>
           </a:p>
@@ -4984,6 +5012,7 @@
               <a:rPr lang="zh-CN" altLang="en-US"/>
               <a:t>单击此处编辑母版文本样式</a:t>
             </a:r>
+            <a:endParaRPr lang="zh-CN" altLang="en-US"/>
           </a:p>
         </p:txBody>
       </p:sp>
@@ -5004,8 +5033,6 @@
           <a:p>
             <a:fld id="{B61BEF0D-F0BB-DE4B-95CE-6DB70DBA9567}" type="datetimeFigureOut">
               <a:rPr lang="en-US" dirty="0"/>
-              <a:pPr/>
-              <a:t>9/9/2019</a:t>
             </a:fld>
             <a:endParaRPr lang="en-US" dirty="0"/>
           </a:p>
@@ -5134,8 +5161,6 @@
           <a:p>
             <a:fld id="{D57F1E4F-1CFF-5643-939E-217C01CDF565}" type="slidenum">
               <a:rPr lang="en-US" dirty="0"/>
-              <a:pPr/>
-              <a:t>‹#›</a:t>
             </a:fld>
             <a:endParaRPr lang="en-US" dirty="0"/>
           </a:p>
@@ -6988,6 +7013,7 @@
               <a:rPr lang="zh-CN" altLang="en-US"/>
               <a:t>单击此处编辑母版文本样式</a:t>
             </a:r>
+            <a:endParaRPr lang="zh-CN" altLang="en-US"/>
           </a:p>
           <a:p>
             <a:pPr lvl="1"/>
@@ -6995,6 +7021,7 @@
               <a:rPr lang="zh-CN" altLang="en-US"/>
               <a:t>二级</a:t>
             </a:r>
+            <a:endParaRPr lang="zh-CN" altLang="en-US"/>
           </a:p>
           <a:p>
             <a:pPr lvl="2"/>
@@ -7002,6 +7029,7 @@
               <a:rPr lang="zh-CN" altLang="en-US"/>
               <a:t>三级</a:t>
             </a:r>
+            <a:endParaRPr lang="zh-CN" altLang="en-US"/>
           </a:p>
           <a:p>
             <a:pPr lvl="3"/>
@@ -7009,6 +7037,7 @@
               <a:rPr lang="zh-CN" altLang="en-US"/>
               <a:t>四级</a:t>
             </a:r>
+            <a:endParaRPr lang="zh-CN" altLang="en-US"/>
           </a:p>
           <a:p>
             <a:pPr lvl="4"/>
@@ -7055,8 +7084,6 @@
           <a:p>
             <a:fld id="{B61BEF0D-F0BB-DE4B-95CE-6DB70DBA9567}" type="datetimeFigureOut">
               <a:rPr lang="en-US" dirty="0"/>
-              <a:pPr/>
-              <a:t>9/9/2019</a:t>
             </a:fld>
             <a:endParaRPr lang="en-US" dirty="0"/>
           </a:p>
@@ -7132,8 +7159,6 @@
           <a:p>
             <a:fld id="{D57F1E4F-1CFF-5643-939E-217C01CDF565}" type="slidenum">
               <a:rPr lang="en-US" dirty="0"/>
-              <a:pPr/>
-              <a:t>‹#›</a:t>
             </a:fld>
             <a:endParaRPr lang="en-US" dirty="0"/>
           </a:p>
@@ -7152,13 +7177,13 @@
     <p:sldLayoutId id="2147483655" r:id="rId7"/>
     <p:sldLayoutId id="2147483656" r:id="rId8"/>
     <p:sldLayoutId id="2147483657" r:id="rId9"/>
-    <p:sldLayoutId id="2147483660" r:id="rId10"/>
-    <p:sldLayoutId id="2147483661" r:id="rId11"/>
-    <p:sldLayoutId id="2147483662" r:id="rId12"/>
-    <p:sldLayoutId id="2147483663" r:id="rId13"/>
-    <p:sldLayoutId id="2147483664" r:id="rId14"/>
-    <p:sldLayoutId id="2147483658" r:id="rId15"/>
-    <p:sldLayoutId id="2147483659" r:id="rId16"/>
+    <p:sldLayoutId id="2147483658" r:id="rId10"/>
+    <p:sldLayoutId id="2147483659" r:id="rId11"/>
+    <p:sldLayoutId id="2147483660" r:id="rId12"/>
+    <p:sldLayoutId id="2147483661" r:id="rId13"/>
+    <p:sldLayoutId id="2147483662" r:id="rId14"/>
+    <p:sldLayoutId id="2147483663" r:id="rId15"/>
+    <p:sldLayoutId id="2147483664" r:id="rId16"/>
   </p:sldLayoutIdLst>
   <p:txStyles>
     <p:titleStyle>
@@ -7572,13 +7597,7 @@
       </p:grpSpPr>
       <p:sp>
         <p:nvSpPr>
-          <p:cNvPr id="2" name="标题 1">
-            <a:extLst>
-              <a:ext uri="{FF2B5EF4-FFF2-40B4-BE49-F238E27FC236}">
-                <a16:creationId xmlns:a16="http://schemas.microsoft.com/office/drawing/2014/main" id="{43A7F4C3-4D01-4317-BCA2-74A925ABB57F}"/>
-              </a:ext>
-            </a:extLst>
-          </p:cNvPr>
+          <p:cNvPr id="2" name="标题 1"/>
           <p:cNvSpPr>
             <a:spLocks noGrp="1"/>
           </p:cNvSpPr>
@@ -7608,18 +7627,13 @@
               <a:rPr lang="zh-CN" altLang="en-US" dirty="0"/>
               <a:t>）</a:t>
             </a:r>
-          </a:p>
-        </p:txBody>
-      </p:sp>
-      <p:sp>
-        <p:nvSpPr>
-          <p:cNvPr id="3" name="副标题 2">
-            <a:extLst>
-              <a:ext uri="{FF2B5EF4-FFF2-40B4-BE49-F238E27FC236}">
-                <a16:creationId xmlns:a16="http://schemas.microsoft.com/office/drawing/2014/main" id="{004A49BD-CEBE-4DC6-9994-6C8528BEB9B4}"/>
-              </a:ext>
-            </a:extLst>
-          </p:cNvPr>
+            <a:endParaRPr lang="zh-CN" altLang="en-US" dirty="0"/>
+          </a:p>
+        </p:txBody>
+      </p:sp>
+      <p:sp>
+        <p:nvSpPr>
+          <p:cNvPr id="3" name="副标题 2"/>
           <p:cNvSpPr>
             <a:spLocks noGrp="1"/>
           </p:cNvSpPr>
@@ -7670,11 +7684,6 @@
         </p:txBody>
       </p:sp>
     </p:spTree>
-    <p:extLst>
-      <p:ext uri="{BB962C8B-B14F-4D97-AF65-F5344CB8AC3E}">
-        <p14:creationId xmlns:p14="http://schemas.microsoft.com/office/powerpoint/2010/main" val="2484609624"/>
-      </p:ext>
-    </p:extLst>
   </p:cSld>
   <p:clrMapOvr>
     <a:masterClrMapping/>
@@ -7701,13 +7710,7 @@
       </p:grpSpPr>
       <p:sp>
         <p:nvSpPr>
-          <p:cNvPr id="2" name="标题 1">
-            <a:extLst>
-              <a:ext uri="{FF2B5EF4-FFF2-40B4-BE49-F238E27FC236}">
-                <a16:creationId xmlns:a16="http://schemas.microsoft.com/office/drawing/2014/main" id="{B3B287FB-F45D-42A9-B976-218566D8439E}"/>
-              </a:ext>
-            </a:extLst>
-          </p:cNvPr>
+          <p:cNvPr id="2" name="标题 1"/>
           <p:cNvSpPr>
             <a:spLocks noGrp="1"/>
           </p:cNvSpPr>
@@ -7715,46 +7718,96 @@
             <p:ph type="title"/>
           </p:nvPr>
         </p:nvSpPr>
-        <p:spPr/>
+        <p:spPr>
+          <a:xfrm>
+            <a:off x="1780540" y="732155"/>
+            <a:ext cx="8911590" cy="835025"/>
+          </a:xfrm>
+        </p:spPr>
+        <p:txBody>
+          <a:bodyPr>
+            <a:normAutofit fontScale="90000"/>
+          </a:bodyPr>
+          <a:lstStyle/>
+          <a:p>
+            <a:r>
+              <a:rPr lang="zh-CN" altLang="en-US" b="1" dirty="0"/>
+              <a:t>总结</a:t>
+            </a:r>
+            <a:br>
+              <a:rPr lang="zh-CN" altLang="en-US" b="1" dirty="0"/>
+            </a:br>
+            <a:endParaRPr lang="zh-CN" altLang="en-US" dirty="0"/>
+          </a:p>
+        </p:txBody>
+      </p:sp>
+      <p:sp>
+        <p:nvSpPr>
+          <p:cNvPr id="3" name="内容占位符 2"/>
+          <p:cNvSpPr>
+            <a:spLocks noGrp="1"/>
+          </p:cNvSpPr>
+          <p:nvPr>
+            <p:ph idx="1"/>
+          </p:nvPr>
+        </p:nvSpPr>
+        <p:spPr>
+          <a:xfrm>
+            <a:off x="1712912" y="2167255"/>
+            <a:ext cx="8915400" cy="2269724"/>
+          </a:xfrm>
+        </p:spPr>
         <p:txBody>
           <a:bodyPr/>
           <a:lstStyle/>
           <a:p>
-            <a:endParaRPr lang="zh-CN" altLang="en-US"/>
-          </a:p>
-        </p:txBody>
-      </p:sp>
-      <p:sp>
-        <p:nvSpPr>
-          <p:cNvPr id="3" name="内容占位符 2">
-            <a:extLst>
-              <a:ext uri="{FF2B5EF4-FFF2-40B4-BE49-F238E27FC236}">
-                <a16:creationId xmlns:a16="http://schemas.microsoft.com/office/drawing/2014/main" id="{3CFE85FE-4B46-44D5-B3B3-66F45DB59963}"/>
-              </a:ext>
-            </a:extLst>
-          </p:cNvPr>
-          <p:cNvSpPr>
-            <a:spLocks noGrp="1"/>
-          </p:cNvSpPr>
-          <p:nvPr>
-            <p:ph idx="1"/>
-          </p:nvPr>
-        </p:nvSpPr>
-        <p:spPr/>
-        <p:txBody>
-          <a:bodyPr/>
-          <a:lstStyle/>
-          <a:p>
-            <a:endParaRPr lang="zh-CN" altLang="en-US"/>
+            <a:pPr marL="0" indent="0">
+              <a:buNone/>
+            </a:pPr>
+            <a:r>
+              <a:rPr lang="zh-CN" altLang="en-US" dirty="0"/>
+              <a:t>在建造者模式的结构中引入了一个</a:t>
+            </a:r>
+            <a:r>
+              <a:rPr lang="zh-CN" altLang="en-US" dirty="0">
+                <a:solidFill>
+                  <a:srgbClr val="FF0000"/>
+                </a:solidFill>
+              </a:rPr>
+              <a:t>指挥者</a:t>
+            </a:r>
+            <a:r>
+              <a:rPr lang="zh-CN" altLang="en-US" dirty="0"/>
+              <a:t>类，该类的作用主要有两个：</a:t>
+            </a:r>
+            <a:endParaRPr lang="en-US" altLang="zh-CN" dirty="0"/>
+          </a:p>
+          <a:p>
+            <a:pPr marL="0" indent="0">
+              <a:buNone/>
+            </a:pPr>
+            <a:r>
+              <a:rPr lang="zh-CN" altLang="en-US" dirty="0"/>
+              <a:t>一方面它隔离了客户与生产过程；</a:t>
+            </a:r>
+            <a:endParaRPr lang="en-US" altLang="zh-CN" dirty="0"/>
+          </a:p>
+          <a:p>
+            <a:pPr marL="0" indent="0">
+              <a:buNone/>
+            </a:pPr>
+            <a:r>
+              <a:rPr lang="zh-CN" altLang="en-US" dirty="0"/>
+              <a:t>另一方面它负责控制产品的生成过程。</a:t>
+            </a:r>
+            <a:endParaRPr lang="zh-CN" altLang="en-US" dirty="0"/>
+          </a:p>
+          <a:p>
+            <a:endParaRPr lang="zh-CN" altLang="en-US" dirty="0"/>
           </a:p>
         </p:txBody>
       </p:sp>
     </p:spTree>
-    <p:extLst>
-      <p:ext uri="{BB962C8B-B14F-4D97-AF65-F5344CB8AC3E}">
-        <p14:creationId xmlns:p14="http://schemas.microsoft.com/office/powerpoint/2010/main" val="3181023026"/>
-      </p:ext>
-    </p:extLst>
   </p:cSld>
   <p:clrMapOvr>
     <a:masterClrMapping/>
@@ -7781,13 +7834,7 @@
       </p:grpSpPr>
       <p:sp>
         <p:nvSpPr>
-          <p:cNvPr id="2" name="标题 1">
-            <a:extLst>
-              <a:ext uri="{FF2B5EF4-FFF2-40B4-BE49-F238E27FC236}">
-                <a16:creationId xmlns:a16="http://schemas.microsoft.com/office/drawing/2014/main" id="{03583A94-60EA-46C5-8721-E8774AE39BE0}"/>
-              </a:ext>
-            </a:extLst>
-          </p:cNvPr>
+          <p:cNvPr id="2" name="标题 1"/>
           <p:cNvSpPr>
             <a:spLocks noGrp="1"/>
           </p:cNvSpPr>
@@ -7795,46 +7842,73 @@
             <p:ph type="title"/>
           </p:nvPr>
         </p:nvSpPr>
-        <p:spPr/>
+        <p:spPr>
+          <a:xfrm>
+            <a:off x="1919605" y="632460"/>
+            <a:ext cx="9340850" cy="1280795"/>
+          </a:xfrm>
+        </p:spPr>
         <p:txBody>
           <a:bodyPr/>
           <a:lstStyle/>
           <a:p>
-            <a:endParaRPr lang="zh-CN" altLang="en-US"/>
-          </a:p>
-        </p:txBody>
-      </p:sp>
-      <p:sp>
-        <p:nvSpPr>
-          <p:cNvPr id="3" name="内容占位符 2">
-            <a:extLst>
-              <a:ext uri="{FF2B5EF4-FFF2-40B4-BE49-F238E27FC236}">
-                <a16:creationId xmlns:a16="http://schemas.microsoft.com/office/drawing/2014/main" id="{6D51412F-51AD-49CD-AFA1-5E4E0636C687}"/>
-              </a:ext>
-            </a:extLst>
-          </p:cNvPr>
-          <p:cNvSpPr>
-            <a:spLocks noGrp="1"/>
-          </p:cNvSpPr>
-          <p:nvPr>
-            <p:ph idx="1"/>
-          </p:nvPr>
-        </p:nvSpPr>
-        <p:spPr/>
-        <p:txBody>
-          <a:bodyPr/>
-          <a:lstStyle/>
-          <a:p>
-            <a:endParaRPr lang="zh-CN" altLang="en-US"/>
-          </a:p>
-        </p:txBody>
-      </p:sp>
+            <a:r>
+              <a:rPr lang="en-US" altLang="zh-CN"/>
+              <a:t>建造者模式在JDK的应用和源码分析</a:t>
+            </a:r>
+            <a:endParaRPr lang="en-US" altLang="zh-CN"/>
+          </a:p>
+        </p:txBody>
+      </p:sp>
+      <p:pic>
+        <p:nvPicPr>
+          <p:cNvPr id="6" name="Picture 5" descr="test"/>
+          <p:cNvPicPr>
+            <a:picLocks noChangeAspect="1"/>
+          </p:cNvPicPr>
+          <p:nvPr/>
+        </p:nvPicPr>
+        <p:blipFill>
+          <a:blip r:embed="rId1"/>
+          <a:stretch>
+            <a:fillRect/>
+          </a:stretch>
+        </p:blipFill>
+        <p:spPr>
+          <a:xfrm>
+            <a:off x="1610360" y="1567815"/>
+            <a:ext cx="8420735" cy="1721485"/>
+          </a:xfrm>
+          <a:prstGeom prst="rect">
+            <a:avLst/>
+          </a:prstGeom>
+        </p:spPr>
+      </p:pic>
+      <p:pic>
+        <p:nvPicPr>
+          <p:cNvPr id="7" name="Picture 6" descr="StringBuilder"/>
+          <p:cNvPicPr>
+            <a:picLocks noChangeAspect="1"/>
+          </p:cNvPicPr>
+          <p:nvPr/>
+        </p:nvPicPr>
+        <p:blipFill>
+          <a:blip r:embed="rId2"/>
+          <a:stretch>
+            <a:fillRect/>
+          </a:stretch>
+        </p:blipFill>
+        <p:spPr>
+          <a:xfrm>
+            <a:off x="2068195" y="3537585"/>
+            <a:ext cx="6045200" cy="2949575"/>
+          </a:xfrm>
+          <a:prstGeom prst="rect">
+            <a:avLst/>
+          </a:prstGeom>
+        </p:spPr>
+      </p:pic>
     </p:spTree>
-    <p:extLst>
-      <p:ext uri="{BB962C8B-B14F-4D97-AF65-F5344CB8AC3E}">
-        <p14:creationId xmlns:p14="http://schemas.microsoft.com/office/powerpoint/2010/main" val="2898755433"/>
-      </p:ext>
-    </p:extLst>
   </p:cSld>
   <p:clrMapOvr>
     <a:masterClrMapping/>
@@ -7859,62 +7933,55 @@
           <a:chExt cx="0" cy="0"/>
         </a:xfrm>
       </p:grpSpPr>
-      <p:sp>
-        <p:nvSpPr>
-          <p:cNvPr id="2" name="标题 1">
-            <a:extLst>
-              <a:ext uri="{FF2B5EF4-FFF2-40B4-BE49-F238E27FC236}">
-                <a16:creationId xmlns:a16="http://schemas.microsoft.com/office/drawing/2014/main" id="{6E5A5AF2-CD8A-4DA8-A6BA-F908F8F3948C}"/>
-              </a:ext>
-            </a:extLst>
-          </p:cNvPr>
-          <p:cNvSpPr>
-            <a:spLocks noGrp="1"/>
-          </p:cNvSpPr>
-          <p:nvPr>
-            <p:ph type="title"/>
-          </p:nvPr>
-        </p:nvSpPr>
-        <p:spPr/>
-        <p:txBody>
-          <a:bodyPr/>
-          <a:lstStyle/>
-          <a:p>
-            <a:endParaRPr lang="zh-CN" altLang="en-US"/>
-          </a:p>
-        </p:txBody>
-      </p:sp>
-      <p:sp>
-        <p:nvSpPr>
-          <p:cNvPr id="3" name="内容占位符 2">
-            <a:extLst>
-              <a:ext uri="{FF2B5EF4-FFF2-40B4-BE49-F238E27FC236}">
-                <a16:creationId xmlns:a16="http://schemas.microsoft.com/office/drawing/2014/main" id="{B7CC6BFE-6259-4E16-B9D8-43AC1ECBE03B}"/>
-              </a:ext>
-            </a:extLst>
-          </p:cNvPr>
-          <p:cNvSpPr>
-            <a:spLocks noGrp="1"/>
-          </p:cNvSpPr>
-          <p:nvPr>
-            <p:ph idx="1"/>
-          </p:nvPr>
-        </p:nvSpPr>
-        <p:spPr/>
-        <p:txBody>
-          <a:bodyPr/>
-          <a:lstStyle/>
-          <a:p>
-            <a:endParaRPr lang="zh-CN" altLang="en-US"/>
-          </a:p>
-        </p:txBody>
-      </p:sp>
+      <p:pic>
+        <p:nvPicPr>
+          <p:cNvPr id="5" name="Picture 4" descr="abstractBuilder"/>
+          <p:cNvPicPr>
+            <a:picLocks noChangeAspect="1"/>
+          </p:cNvPicPr>
+          <p:nvPr/>
+        </p:nvPicPr>
+        <p:blipFill>
+          <a:blip r:embed="rId1"/>
+          <a:stretch>
+            <a:fillRect/>
+          </a:stretch>
+        </p:blipFill>
+        <p:spPr>
+          <a:xfrm>
+            <a:off x="2338070" y="410210"/>
+            <a:ext cx="7846060" cy="3112135"/>
+          </a:xfrm>
+          <a:prstGeom prst="rect">
+            <a:avLst/>
+          </a:prstGeom>
+        </p:spPr>
+      </p:pic>
+      <p:pic>
+        <p:nvPicPr>
+          <p:cNvPr id="6" name="Picture 5" descr="apend"/>
+          <p:cNvPicPr>
+            <a:picLocks noChangeAspect="1"/>
+          </p:cNvPicPr>
+          <p:nvPr/>
+        </p:nvPicPr>
+        <p:blipFill>
+          <a:blip r:embed="rId2"/>
+          <a:stretch>
+            <a:fillRect/>
+          </a:stretch>
+        </p:blipFill>
+        <p:spPr>
+          <a:xfrm>
+            <a:off x="2876550" y="3884295"/>
+            <a:ext cx="6617335" cy="2410460"/>
+          </a:xfrm>
+          <a:prstGeom prst="rect">
+            <a:avLst/>
+          </a:prstGeom>
+        </p:spPr>
+      </p:pic>
     </p:spTree>
-    <p:extLst>
-      <p:ext uri="{BB962C8B-B14F-4D97-AF65-F5344CB8AC3E}">
-        <p14:creationId xmlns:p14="http://schemas.microsoft.com/office/powerpoint/2010/main" val="213041469"/>
-      </p:ext>
-    </p:extLst>
   </p:cSld>
   <p:clrMapOvr>
     <a:masterClrMapping/>
@@ -7939,62 +8006,31 @@
           <a:chExt cx="0" cy="0"/>
         </a:xfrm>
       </p:grpSpPr>
-      <p:sp>
-        <p:nvSpPr>
-          <p:cNvPr id="2" name="标题 1">
-            <a:extLst>
-              <a:ext uri="{FF2B5EF4-FFF2-40B4-BE49-F238E27FC236}">
-                <a16:creationId xmlns:a16="http://schemas.microsoft.com/office/drawing/2014/main" id="{09E684B3-5F4F-40F5-806C-988AB7602E45}"/>
-              </a:ext>
-            </a:extLst>
-          </p:cNvPr>
-          <p:cNvSpPr>
-            <a:spLocks noGrp="1"/>
-          </p:cNvSpPr>
-          <p:nvPr>
-            <p:ph type="title"/>
-          </p:nvPr>
-        </p:nvSpPr>
-        <p:spPr/>
-        <p:txBody>
-          <a:bodyPr/>
-          <a:lstStyle/>
-          <a:p>
-            <a:endParaRPr lang="zh-CN" altLang="en-US"/>
-          </a:p>
-        </p:txBody>
-      </p:sp>
-      <p:sp>
-        <p:nvSpPr>
-          <p:cNvPr id="3" name="内容占位符 2">
-            <a:extLst>
-              <a:ext uri="{FF2B5EF4-FFF2-40B4-BE49-F238E27FC236}">
-                <a16:creationId xmlns:a16="http://schemas.microsoft.com/office/drawing/2014/main" id="{D04D00C4-9877-4678-9E61-171BA0AAB1DB}"/>
-              </a:ext>
-            </a:extLst>
-          </p:cNvPr>
-          <p:cNvSpPr>
-            <a:spLocks noGrp="1"/>
-          </p:cNvSpPr>
-          <p:nvPr>
-            <p:ph idx="1"/>
-          </p:nvPr>
-        </p:nvSpPr>
-        <p:spPr/>
-        <p:txBody>
-          <a:bodyPr/>
-          <a:lstStyle/>
-          <a:p>
-            <a:endParaRPr lang="zh-CN" altLang="en-US"/>
-          </a:p>
-        </p:txBody>
-      </p:sp>
+      <p:pic>
+        <p:nvPicPr>
+          <p:cNvPr id="4" name="Picture 3" descr="apendAble"/>
+          <p:cNvPicPr>
+            <a:picLocks noChangeAspect="1"/>
+          </p:cNvPicPr>
+          <p:nvPr/>
+        </p:nvPicPr>
+        <p:blipFill>
+          <a:blip r:embed="rId1"/>
+          <a:stretch>
+            <a:fillRect/>
+          </a:stretch>
+        </p:blipFill>
+        <p:spPr>
+          <a:xfrm>
+            <a:off x="2323465" y="808355"/>
+            <a:ext cx="7038340" cy="4028440"/>
+          </a:xfrm>
+          <a:prstGeom prst="rect">
+            <a:avLst/>
+          </a:prstGeom>
+        </p:spPr>
+      </p:pic>
     </p:spTree>
-    <p:extLst>
-      <p:ext uri="{BB962C8B-B14F-4D97-AF65-F5344CB8AC3E}">
-        <p14:creationId xmlns:p14="http://schemas.microsoft.com/office/powerpoint/2010/main" val="2188836325"/>
-      </p:ext>
-    </p:extLst>
   </p:cSld>
   <p:clrMapOvr>
     <a:masterClrMapping/>
@@ -8019,15 +8055,131 @@
           <a:chExt cx="0" cy="0"/>
         </a:xfrm>
       </p:grpSpPr>
-      <p:sp>
-        <p:nvSpPr>
-          <p:cNvPr id="2" name="标题 1">
-            <a:extLst>
-              <a:ext uri="{FF2B5EF4-FFF2-40B4-BE49-F238E27FC236}">
-                <a16:creationId xmlns:a16="http://schemas.microsoft.com/office/drawing/2014/main" id="{1AE0C4F4-5440-4C50-81A3-86AD086F6149}"/>
-              </a:ext>
-            </a:extLst>
-          </p:cNvPr>
+      <p:pic>
+        <p:nvPicPr>
+          <p:cNvPr id="4" name="Picture 3" descr="end"/>
+          <p:cNvPicPr>
+            <a:picLocks noChangeAspect="1"/>
+          </p:cNvPicPr>
+          <p:nvPr/>
+        </p:nvPicPr>
+        <p:blipFill>
+          <a:blip r:embed="rId1"/>
+          <a:stretch>
+            <a:fillRect/>
+          </a:stretch>
+        </p:blipFill>
+        <p:spPr>
+          <a:xfrm>
+            <a:off x="4438015" y="1898015"/>
+            <a:ext cx="3315335" cy="3061335"/>
+          </a:xfrm>
+          <a:prstGeom prst="rect">
+            <a:avLst/>
+          </a:prstGeom>
+        </p:spPr>
+      </p:pic>
+    </p:spTree>
+  </p:cSld>
+  <p:clrMapOvr>
+    <a:masterClrMapping/>
+  </p:clrMapOvr>
+</p:sld>
+</file>
+
+<file path=ppt/slides/slide15.xml><?xml version="1.0" encoding="utf-8"?>
+<p:sld xmlns:a="http://schemas.openxmlformats.org/drawingml/2006/main" xmlns:r="http://schemas.openxmlformats.org/officeDocument/2006/relationships" xmlns:p="http://schemas.openxmlformats.org/presentationml/2006/main">
+  <p:cSld>
+    <p:spTree>
+      <p:nvGrpSpPr>
+        <p:cNvPr id="1" name=""/>
+        <p:cNvGrpSpPr/>
+        <p:nvPr/>
+      </p:nvGrpSpPr>
+      <p:grpSpPr>
+        <a:xfrm>
+          <a:off x="0" y="0"/>
+          <a:ext cx="0" cy="0"/>
+          <a:chOff x="0" y="0"/>
+          <a:chExt cx="0" cy="0"/>
+        </a:xfrm>
+      </p:grpSpPr>
+      <p:pic>
+        <p:nvPicPr>
+          <p:cNvPr id="4" name="Picture 3" descr="can"/>
+          <p:cNvPicPr>
+            <a:picLocks noChangeAspect="1"/>
+          </p:cNvPicPr>
+          <p:nvPr/>
+        </p:nvPicPr>
+        <p:blipFill>
+          <a:blip r:embed="rId1"/>
+          <a:stretch>
+            <a:fillRect/>
+          </a:stretch>
+        </p:blipFill>
+        <p:spPr>
+          <a:xfrm>
+            <a:off x="4667250" y="2009775"/>
+            <a:ext cx="2856865" cy="2837815"/>
+          </a:xfrm>
+          <a:prstGeom prst="rect">
+            <a:avLst/>
+          </a:prstGeom>
+        </p:spPr>
+      </p:pic>
+    </p:spTree>
+  </p:cSld>
+  <p:clrMapOvr>
+    <a:masterClrMapping/>
+  </p:clrMapOvr>
+</p:sld>
+</file>
+
+<file path=ppt/slides/slide16.xml><?xml version="1.0" encoding="utf-8"?>
+<p:sld xmlns:a="http://schemas.openxmlformats.org/drawingml/2006/main" xmlns:r="http://schemas.openxmlformats.org/officeDocument/2006/relationships" xmlns:p="http://schemas.openxmlformats.org/presentationml/2006/main">
+  <p:cSld>
+    <p:spTree>
+      <p:nvGrpSpPr>
+        <p:cNvPr id="1" name=""/>
+        <p:cNvGrpSpPr/>
+        <p:nvPr/>
+      </p:nvGrpSpPr>
+      <p:grpSpPr>
+        <a:xfrm>
+          <a:off x="0" y="0"/>
+          <a:ext cx="0" cy="0"/>
+          <a:chOff x="0" y="0"/>
+          <a:chExt cx="0" cy="0"/>
+        </a:xfrm>
+      </p:grpSpPr>
+      <p:pic>
+        <p:nvPicPr>
+          <p:cNvPr id="4" name="Picture 3" descr="LOLRole"/>
+          <p:cNvPicPr>
+            <a:picLocks noChangeAspect="1"/>
+          </p:cNvPicPr>
+          <p:nvPr/>
+        </p:nvPicPr>
+        <p:blipFill>
+          <a:blip r:embed="rId1"/>
+          <a:stretch>
+            <a:fillRect/>
+          </a:stretch>
+        </p:blipFill>
+        <p:spPr>
+          <a:xfrm>
+            <a:off x="5421630" y="461645"/>
+            <a:ext cx="6249035" cy="5934710"/>
+          </a:xfrm>
+          <a:prstGeom prst="rect">
+            <a:avLst/>
+          </a:prstGeom>
+        </p:spPr>
+      </p:pic>
+      <p:sp>
+        <p:nvSpPr>
+          <p:cNvPr id="2" name="Title 1"/>
           <p:cNvSpPr>
             <a:spLocks noGrp="1"/>
           </p:cNvSpPr>
@@ -8035,46 +8187,164 @@
             <p:ph type="title"/>
           </p:nvPr>
         </p:nvSpPr>
+        <p:spPr>
+          <a:xfrm>
+            <a:off x="1698625" y="692150"/>
+            <a:ext cx="8853170" cy="943610"/>
+          </a:xfrm>
+        </p:spPr>
+        <p:txBody>
+          <a:bodyPr/>
+          <a:p>
+            <a:r>
+              <a:rPr lang="" altLang="en-US"/>
+              <a:t>简易优化版</a:t>
+            </a:r>
+            <a:endParaRPr lang="" altLang="en-US"/>
+          </a:p>
+        </p:txBody>
+      </p:sp>
+    </p:spTree>
+  </p:cSld>
+  <p:clrMapOvr>
+    <a:masterClrMapping/>
+  </p:clrMapOvr>
+</p:sld>
+</file>
+
+<file path=ppt/slides/slide17.xml><?xml version="1.0" encoding="utf-8"?>
+<p:sld xmlns:a="http://schemas.openxmlformats.org/drawingml/2006/main" xmlns:r="http://schemas.openxmlformats.org/officeDocument/2006/relationships" xmlns:p="http://schemas.openxmlformats.org/presentationml/2006/main">
+  <p:cSld>
+    <p:spTree>
+      <p:nvGrpSpPr>
+        <p:cNvPr id="1" name=""/>
+        <p:cNvGrpSpPr/>
+        <p:nvPr/>
+      </p:nvGrpSpPr>
+      <p:grpSpPr>
+        <a:xfrm>
+          <a:off x="0" y="0"/>
+          <a:ext cx="0" cy="0"/>
+          <a:chOff x="0" y="0"/>
+          <a:chExt cx="0" cy="0"/>
+        </a:xfrm>
+      </p:grpSpPr>
+      <p:pic>
+        <p:nvPicPr>
+          <p:cNvPr id="4" name="Picture 3" descr="test2"/>
+          <p:cNvPicPr>
+            <a:picLocks noChangeAspect="1"/>
+          </p:cNvPicPr>
+          <p:nvPr/>
+        </p:nvPicPr>
+        <p:blipFill>
+          <a:blip r:embed="rId1"/>
+          <a:stretch>
+            <a:fillRect/>
+          </a:stretch>
+        </p:blipFill>
+        <p:spPr>
+          <a:xfrm>
+            <a:off x="2023745" y="499110"/>
+            <a:ext cx="8987155" cy="4269105"/>
+          </a:xfrm>
+          <a:prstGeom prst="rect">
+            <a:avLst/>
+          </a:prstGeom>
+        </p:spPr>
+      </p:pic>
+      <p:sp>
+        <p:nvSpPr>
+          <p:cNvPr id="3" name="Content Placeholder 2"/>
+          <p:cNvSpPr>
+            <a:spLocks noGrp="1"/>
+          </p:cNvSpPr>
+          <p:nvPr>
+            <p:ph idx="1"/>
+          </p:nvPr>
+        </p:nvSpPr>
+        <p:spPr>
+          <a:xfrm>
+            <a:off x="1952625" y="5487670"/>
+            <a:ext cx="8742680" cy="1214120"/>
+          </a:xfrm>
+        </p:spPr>
+        <p:txBody>
+          <a:bodyPr/>
+          <a:p>
+            <a:r>
+              <a:rPr lang="en-US"/>
+              <a:t>客户端代码写起来更简单，更重要的是，更易读。我听过的关于该模式的唯一批判是你必须在builder类里面复制类的属性。然而，考虑到这个事实，builder类通常是需要建造的类的一个静态类成员，它们一起扩展起来相当容易。</a:t>
+            </a:r>
+            <a:endParaRPr lang="en-US"/>
+          </a:p>
+        </p:txBody>
+      </p:sp>
+    </p:spTree>
+  </p:cSld>
+  <p:clrMapOvr>
+    <a:masterClrMapping/>
+  </p:clrMapOvr>
+</p:sld>
+</file>
+
+<file path=ppt/slides/slide18.xml><?xml version="1.0" encoding="utf-8"?>
+<p:sld xmlns:a="http://schemas.openxmlformats.org/drawingml/2006/main" xmlns:r="http://schemas.openxmlformats.org/officeDocument/2006/relationships" xmlns:p="http://schemas.openxmlformats.org/presentationml/2006/main">
+  <p:cSld>
+    <p:spTree>
+      <p:nvGrpSpPr>
+        <p:cNvPr id="1" name=""/>
+        <p:cNvGrpSpPr/>
+        <p:nvPr/>
+      </p:nvGrpSpPr>
+      <p:grpSpPr/>
+      <p:sp>
+        <p:nvSpPr>
+          <p:cNvPr id="4" name="Title 3"/>
+          <p:cNvSpPr>
+            <a:spLocks noGrp="1"/>
+          </p:cNvSpPr>
+          <p:nvPr>
+            <p:ph type="title"/>
+          </p:nvPr>
+        </p:nvSpPr>
         <p:spPr/>
         <p:txBody>
           <a:bodyPr/>
-          <a:lstStyle/>
-          <a:p>
-            <a:endParaRPr lang="zh-CN" altLang="en-US"/>
-          </a:p>
-        </p:txBody>
-      </p:sp>
-      <p:sp>
-        <p:nvSpPr>
-          <p:cNvPr id="3" name="内容占位符 2">
-            <a:extLst>
-              <a:ext uri="{FF2B5EF4-FFF2-40B4-BE49-F238E27FC236}">
-                <a16:creationId xmlns:a16="http://schemas.microsoft.com/office/drawing/2014/main" id="{83035991-5246-4B1D-BFAB-E0100761528D}"/>
-              </a:ext>
-            </a:extLst>
-          </p:cNvPr>
-          <p:cNvSpPr>
-            <a:spLocks noGrp="1"/>
-          </p:cNvSpPr>
-          <p:nvPr>
-            <p:ph idx="1"/>
-          </p:nvPr>
-        </p:nvSpPr>
-        <p:spPr/>
-        <p:txBody>
-          <a:bodyPr/>
-          <a:lstStyle/>
-          <a:p>
-            <a:endParaRPr lang="zh-CN" altLang="en-US"/>
-          </a:p>
-        </p:txBody>
-      </p:sp>
+          <a:p>
+            <a:r>
+              <a:rPr lang="en-US" altLang="en-US"/>
+              <a:t>结束了</a:t>
+            </a:r>
+            <a:endParaRPr lang="en-US" altLang="en-US"/>
+          </a:p>
+        </p:txBody>
+      </p:sp>
+      <p:pic>
+        <p:nvPicPr>
+          <p:cNvPr id="5" name="Picture 4" descr="liuliu"/>
+          <p:cNvPicPr>
+            <a:picLocks noChangeAspect="1"/>
+          </p:cNvPicPr>
+          <p:nvPr/>
+        </p:nvPicPr>
+        <p:blipFill>
+          <a:blip r:embed="rId1"/>
+          <a:stretch>
+            <a:fillRect/>
+          </a:stretch>
+        </p:blipFill>
+        <p:spPr>
+          <a:xfrm>
+            <a:off x="4205605" y="1800225"/>
+            <a:ext cx="3780790" cy="3425825"/>
+          </a:xfrm>
+          <a:prstGeom prst="rect">
+            <a:avLst/>
+          </a:prstGeom>
+        </p:spPr>
+      </p:pic>
     </p:spTree>
-    <p:extLst>
-      <p:ext uri="{BB962C8B-B14F-4D97-AF65-F5344CB8AC3E}">
-        <p14:creationId xmlns:p14="http://schemas.microsoft.com/office/powerpoint/2010/main" val="1293294306"/>
-      </p:ext>
-    </p:extLst>
   </p:cSld>
   <p:clrMapOvr>
     <a:masterClrMapping/>
@@ -8101,13 +8371,7 @@
       </p:grpSpPr>
       <p:sp>
         <p:nvSpPr>
-          <p:cNvPr id="2" name="标题 1">
-            <a:extLst>
-              <a:ext uri="{FF2B5EF4-FFF2-40B4-BE49-F238E27FC236}">
-                <a16:creationId xmlns:a16="http://schemas.microsoft.com/office/drawing/2014/main" id="{0EBD3CAD-534A-4C27-9E3C-89FCA7127784}"/>
-              </a:ext>
-            </a:extLst>
-          </p:cNvPr>
+          <p:cNvPr id="2" name="标题 1"/>
           <p:cNvSpPr>
             <a:spLocks noGrp="1"/>
           </p:cNvSpPr>
@@ -8124,18 +8388,13 @@
               <a:rPr lang="zh-CN" altLang="en-US" dirty="0"/>
               <a:t>包含的角色</a:t>
             </a:r>
-          </a:p>
-        </p:txBody>
-      </p:sp>
-      <p:sp>
-        <p:nvSpPr>
-          <p:cNvPr id="3" name="内容占位符 2">
-            <a:extLst>
-              <a:ext uri="{FF2B5EF4-FFF2-40B4-BE49-F238E27FC236}">
-                <a16:creationId xmlns:a16="http://schemas.microsoft.com/office/drawing/2014/main" id="{369128FD-23A0-4F35-B4FC-C505273FAFC1}"/>
-              </a:ext>
-            </a:extLst>
-          </p:cNvPr>
+            <a:endParaRPr lang="zh-CN" altLang="en-US" dirty="0"/>
+          </a:p>
+        </p:txBody>
+      </p:sp>
+      <p:sp>
+        <p:nvSpPr>
+          <p:cNvPr id="3" name="内容占位符 2"/>
           <p:cNvSpPr>
             <a:spLocks noGrp="1"/>
           </p:cNvSpPr>
@@ -8153,6 +8412,9 @@
           <a:bodyPr/>
           <a:lstStyle/>
           <a:p>
+            <a:pPr marL="0" indent="0">
+              <a:buNone/>
+            </a:pPr>
             <a:r>
               <a:rPr lang="en-US" altLang="zh-CN" dirty="0"/>
               <a:t>Builder</a:t>
@@ -8165,11 +8427,15 @@
               <a:rPr lang="en-US" altLang="zh-CN" dirty="0"/>
               <a:t>(Builder)</a:t>
             </a:r>
-          </a:p>
-          <a:p>
             <a:endParaRPr lang="en-US" altLang="zh-CN" dirty="0"/>
           </a:p>
           <a:p>
+            <a:endParaRPr lang="en-US" altLang="zh-CN" dirty="0"/>
+          </a:p>
+          <a:p>
+            <a:pPr marL="0" indent="0">
+              <a:buNone/>
+            </a:pPr>
             <a:r>
               <a:rPr lang="en-US" altLang="zh-CN" dirty="0" err="1"/>
               <a:t>ConcreteBuilder</a:t>
@@ -8198,11 +8464,15 @@
               <a:rPr lang="en-US" altLang="zh-CN" dirty="0"/>
               <a:t>)</a:t>
             </a:r>
-          </a:p>
-          <a:p>
             <a:endParaRPr lang="en-US" altLang="zh-CN" dirty="0"/>
           </a:p>
           <a:p>
+            <a:endParaRPr lang="en-US" altLang="zh-CN" dirty="0"/>
+          </a:p>
+          <a:p>
+            <a:pPr marL="0" indent="0">
+              <a:buNone/>
+            </a:pPr>
             <a:r>
               <a:rPr lang="en-US" altLang="zh-CN" dirty="0"/>
               <a:t>Director</a:t>
@@ -8215,11 +8485,15 @@
               <a:rPr lang="en-US" altLang="zh-CN" dirty="0"/>
               <a:t>(Director)</a:t>
             </a:r>
-          </a:p>
-          <a:p>
             <a:endParaRPr lang="en-US" altLang="zh-CN" dirty="0"/>
           </a:p>
           <a:p>
+            <a:endParaRPr lang="en-US" altLang="zh-CN" dirty="0"/>
+          </a:p>
+          <a:p>
+            <a:pPr marL="0" indent="0">
+              <a:buNone/>
+            </a:pPr>
             <a:r>
               <a:rPr lang="en-US" altLang="zh-CN" dirty="0"/>
               <a:t>Product</a:t>
@@ -8237,11 +8511,6 @@
         </p:txBody>
       </p:sp>
     </p:spTree>
-    <p:extLst>
-      <p:ext uri="{BB962C8B-B14F-4D97-AF65-F5344CB8AC3E}">
-        <p14:creationId xmlns:p14="http://schemas.microsoft.com/office/powerpoint/2010/main" val="3432318061"/>
-      </p:ext>
-    </p:extLst>
   </p:cSld>
   <p:clrMapOvr>
     <a:masterClrMapping/>
@@ -8268,60 +8537,506 @@
       </p:grpSpPr>
       <p:sp>
         <p:nvSpPr>
-          <p:cNvPr id="2" name="标题 1">
-            <a:extLst>
-              <a:ext uri="{FF2B5EF4-FFF2-40B4-BE49-F238E27FC236}">
-                <a16:creationId xmlns:a16="http://schemas.microsoft.com/office/drawing/2014/main" id="{B5032C9B-6DEF-4638-BC3E-D5E3F7578EA7}"/>
-              </a:ext>
-            </a:extLst>
-          </p:cNvPr>
-          <p:cNvSpPr>
-            <a:spLocks noGrp="1"/>
-          </p:cNvSpPr>
-          <p:nvPr>
-            <p:ph type="title"/>
-          </p:nvPr>
-        </p:nvSpPr>
-        <p:spPr/>
-        <p:txBody>
-          <a:bodyPr/>
-          <a:lstStyle/>
-          <a:p>
-            <a:endParaRPr lang="zh-CN" altLang="en-US"/>
-          </a:p>
-        </p:txBody>
-      </p:sp>
-      <p:sp>
-        <p:nvSpPr>
-          <p:cNvPr id="3" name="内容占位符 2">
-            <a:extLst>
-              <a:ext uri="{FF2B5EF4-FFF2-40B4-BE49-F238E27FC236}">
-                <a16:creationId xmlns:a16="http://schemas.microsoft.com/office/drawing/2014/main" id="{5895F48A-C34E-4625-A66B-763D5277FD30}"/>
-              </a:ext>
-            </a:extLst>
-          </p:cNvPr>
-          <p:cNvSpPr>
-            <a:spLocks noGrp="1"/>
-          </p:cNvSpPr>
-          <p:nvPr>
-            <p:ph idx="1"/>
-          </p:nvPr>
-        </p:nvSpPr>
-        <p:spPr/>
-        <p:txBody>
-          <a:bodyPr/>
-          <a:lstStyle/>
-          <a:p>
-            <a:endParaRPr lang="zh-CN" altLang="en-US"/>
-          </a:p>
-        </p:txBody>
-      </p:sp>
+          <p:cNvPr id="7" name="Rectangle 6"/>
+          <p:cNvSpPr/>
+          <p:nvPr/>
+        </p:nvSpPr>
+        <p:spPr>
+          <a:xfrm>
+            <a:off x="2400300" y="1122045"/>
+            <a:ext cx="1624330" cy="923925"/>
+          </a:xfrm>
+          <a:prstGeom prst="rect">
+            <a:avLst/>
+          </a:prstGeom>
+        </p:spPr>
+        <p:style>
+          <a:lnRef idx="2">
+            <a:schemeClr val="dk1"/>
+          </a:lnRef>
+          <a:fillRef idx="1">
+            <a:schemeClr val="lt1"/>
+          </a:fillRef>
+          <a:effectRef idx="0">
+            <a:schemeClr val="dk1"/>
+          </a:effectRef>
+          <a:fontRef idx="minor">
+            <a:schemeClr val="dk1"/>
+          </a:fontRef>
+        </p:style>
+        <p:txBody>
+          <a:bodyPr rtlCol="0" anchor="ctr"/>
+          <a:p>
+            <a:pPr algn="ctr"/>
+            <a:r>
+              <a:rPr lang="en-US" altLang="en-US"/>
+              <a:t>Directory</a:t>
+            </a:r>
+            <a:endParaRPr lang="en-US" altLang="en-US"/>
+          </a:p>
+        </p:txBody>
+      </p:sp>
+      <p:sp>
+        <p:nvSpPr>
+          <p:cNvPr id="8" name="Rectangle 7"/>
+          <p:cNvSpPr/>
+          <p:nvPr/>
+        </p:nvSpPr>
+        <p:spPr>
+          <a:xfrm>
+            <a:off x="5491480" y="1122045"/>
+            <a:ext cx="1624330" cy="923925"/>
+          </a:xfrm>
+          <a:prstGeom prst="rect">
+            <a:avLst/>
+          </a:prstGeom>
+        </p:spPr>
+        <p:style>
+          <a:lnRef idx="2">
+            <a:schemeClr val="dk1"/>
+          </a:lnRef>
+          <a:fillRef idx="1">
+            <a:schemeClr val="lt1"/>
+          </a:fillRef>
+          <a:effectRef idx="0">
+            <a:schemeClr val="dk1"/>
+          </a:effectRef>
+          <a:fontRef idx="minor">
+            <a:schemeClr val="dk1"/>
+          </a:fontRef>
+        </p:style>
+        <p:txBody>
+          <a:bodyPr rtlCol="0" anchor="ctr"/>
+          <a:p>
+            <a:pPr algn="ctr"/>
+            <a:r>
+              <a:rPr lang="en-US" altLang="en-US"/>
+              <a:t>Builder</a:t>
+            </a:r>
+            <a:endParaRPr lang="en-US" altLang="en-US"/>
+          </a:p>
+        </p:txBody>
+      </p:sp>
+      <p:sp>
+        <p:nvSpPr>
+          <p:cNvPr id="9" name="Rectangle 8"/>
+          <p:cNvSpPr/>
+          <p:nvPr/>
+        </p:nvSpPr>
+        <p:spPr>
+          <a:xfrm>
+            <a:off x="8698865" y="1122045"/>
+            <a:ext cx="1624330" cy="923925"/>
+          </a:xfrm>
+          <a:prstGeom prst="rect">
+            <a:avLst/>
+          </a:prstGeom>
+        </p:spPr>
+        <p:style>
+          <a:lnRef idx="2">
+            <a:schemeClr val="dk1"/>
+          </a:lnRef>
+          <a:fillRef idx="1">
+            <a:schemeClr val="lt1"/>
+          </a:fillRef>
+          <a:effectRef idx="0">
+            <a:schemeClr val="dk1"/>
+          </a:effectRef>
+          <a:fontRef idx="minor">
+            <a:schemeClr val="dk1"/>
+          </a:fontRef>
+        </p:style>
+        <p:txBody>
+          <a:bodyPr rtlCol="0" anchor="ctr"/>
+          <a:p>
+            <a:pPr algn="ctr"/>
+            <a:r>
+              <a:rPr lang="en-US" altLang="en-US"/>
+              <a:t>Product</a:t>
+            </a:r>
+            <a:endParaRPr lang="en-US" altLang="en-US"/>
+          </a:p>
+        </p:txBody>
+      </p:sp>
+      <p:sp>
+        <p:nvSpPr>
+          <p:cNvPr id="10" name="Rectangle 9"/>
+          <p:cNvSpPr/>
+          <p:nvPr/>
+        </p:nvSpPr>
+        <p:spPr>
+          <a:xfrm>
+            <a:off x="3162300" y="4194175"/>
+            <a:ext cx="2757170" cy="923925"/>
+          </a:xfrm>
+          <a:prstGeom prst="rect">
+            <a:avLst/>
+          </a:prstGeom>
+        </p:spPr>
+        <p:style>
+          <a:lnRef idx="2">
+            <a:schemeClr val="dk1"/>
+          </a:lnRef>
+          <a:fillRef idx="1">
+            <a:schemeClr val="lt1"/>
+          </a:fillRef>
+          <a:effectRef idx="0">
+            <a:schemeClr val="dk1"/>
+          </a:effectRef>
+          <a:fontRef idx="minor">
+            <a:schemeClr val="dk1"/>
+          </a:fontRef>
+        </p:style>
+        <p:txBody>
+          <a:bodyPr rtlCol="0" anchor="ctr"/>
+          <a:p>
+            <a:pPr algn="ctr"/>
+            <a:r>
+              <a:rPr lang="en-US" altLang="en-US"/>
+              <a:t>CommomBuilder</a:t>
+            </a:r>
+            <a:endParaRPr lang="en-US" altLang="en-US"/>
+          </a:p>
+        </p:txBody>
+      </p:sp>
+      <p:sp>
+        <p:nvSpPr>
+          <p:cNvPr id="11" name="Rectangle 10"/>
+          <p:cNvSpPr/>
+          <p:nvPr/>
+        </p:nvSpPr>
+        <p:spPr>
+          <a:xfrm>
+            <a:off x="7115810" y="4194175"/>
+            <a:ext cx="2757170" cy="923925"/>
+          </a:xfrm>
+          <a:prstGeom prst="rect">
+            <a:avLst/>
+          </a:prstGeom>
+        </p:spPr>
+        <p:style>
+          <a:lnRef idx="2">
+            <a:schemeClr val="dk1"/>
+          </a:lnRef>
+          <a:fillRef idx="1">
+            <a:schemeClr val="lt1"/>
+          </a:fillRef>
+          <a:effectRef idx="0">
+            <a:schemeClr val="dk1"/>
+          </a:effectRef>
+          <a:fontRef idx="minor">
+            <a:schemeClr val="dk1"/>
+          </a:fontRef>
+        </p:style>
+        <p:txBody>
+          <a:bodyPr rtlCol="0" anchor="ctr"/>
+          <a:p>
+            <a:pPr algn="ctr"/>
+            <a:r>
+              <a:rPr lang="en-US" altLang="en-US"/>
+              <a:t>VIPBuilder</a:t>
+            </a:r>
+            <a:endParaRPr lang="en-US" altLang="en-US"/>
+          </a:p>
+        </p:txBody>
+      </p:sp>
+      <p:sp>
+        <p:nvSpPr>
+          <p:cNvPr id="13" name="Diamond 12"/>
+          <p:cNvSpPr/>
+          <p:nvPr/>
+        </p:nvSpPr>
+        <p:spPr>
+          <a:xfrm rot="5220000">
+            <a:off x="4018915" y="1461135"/>
+            <a:ext cx="207645" cy="245110"/>
+          </a:xfrm>
+          <a:prstGeom prst="diamond">
+            <a:avLst/>
+          </a:prstGeom>
+        </p:spPr>
+        <p:style>
+          <a:lnRef idx="2">
+            <a:schemeClr val="accent6"/>
+          </a:lnRef>
+          <a:fillRef idx="1">
+            <a:schemeClr val="lt1"/>
+          </a:fillRef>
+          <a:effectRef idx="0">
+            <a:schemeClr val="accent6"/>
+          </a:effectRef>
+          <a:fontRef idx="minor">
+            <a:schemeClr val="dk1"/>
+          </a:fontRef>
+        </p:style>
+        <p:txBody>
+          <a:bodyPr rtlCol="0" anchor="ctr"/>
+          <a:p>
+            <a:pPr algn="ctr"/>
+            <a:endParaRPr lang="en-US"/>
+          </a:p>
+        </p:txBody>
+      </p:sp>
+      <p:cxnSp>
+        <p:nvCxnSpPr>
+          <p:cNvPr id="14" name="Straight Arrow Connector 13"/>
+          <p:cNvCxnSpPr>
+            <a:stCxn id="13" idx="0"/>
+            <a:endCxn id="8" idx="1"/>
+          </p:cNvCxnSpPr>
+          <p:nvPr/>
+        </p:nvCxnSpPr>
+        <p:spPr>
+          <a:xfrm>
+            <a:off x="4244975" y="1577340"/>
+            <a:ext cx="1246505" cy="6985"/>
+          </a:xfrm>
+          <a:prstGeom prst="straightConnector1">
+            <a:avLst/>
+          </a:prstGeom>
+          <a:ln w="28575" cmpd="sng">
+            <a:solidFill>
+              <a:schemeClr val="accent1">
+                <a:shade val="50000"/>
+              </a:schemeClr>
+            </a:solidFill>
+            <a:prstDash val="solid"/>
+            <a:tailEnd type="arrow"/>
+          </a:ln>
+        </p:spPr>
+        <p:style>
+          <a:lnRef idx="1">
+            <a:schemeClr val="accent1"/>
+          </a:lnRef>
+          <a:fillRef idx="0">
+            <a:schemeClr val="accent1"/>
+          </a:fillRef>
+          <a:effectRef idx="0">
+            <a:schemeClr val="accent1"/>
+          </a:effectRef>
+          <a:fontRef idx="minor">
+            <a:schemeClr val="tx1"/>
+          </a:fontRef>
+        </p:style>
+      </p:cxnSp>
+      <p:sp>
+        <p:nvSpPr>
+          <p:cNvPr id="15" name="Diamond 14"/>
+          <p:cNvSpPr/>
+          <p:nvPr/>
+        </p:nvSpPr>
+        <p:spPr>
+          <a:xfrm rot="5400000">
+            <a:off x="7139940" y="1461135"/>
+            <a:ext cx="207645" cy="245110"/>
+          </a:xfrm>
+          <a:prstGeom prst="diamond">
+            <a:avLst/>
+          </a:prstGeom>
+        </p:spPr>
+        <p:style>
+          <a:lnRef idx="2">
+            <a:schemeClr val="accent1">
+              <a:shade val="50000"/>
+            </a:schemeClr>
+          </a:lnRef>
+          <a:fillRef idx="1">
+            <a:schemeClr val="accent1"/>
+          </a:fillRef>
+          <a:effectRef idx="0">
+            <a:schemeClr val="accent1"/>
+          </a:effectRef>
+          <a:fontRef idx="minor">
+            <a:schemeClr val="lt1"/>
+          </a:fontRef>
+        </p:style>
+        <p:txBody>
+          <a:bodyPr rtlCol="0" anchor="ctr"/>
+          <a:p>
+            <a:pPr algn="ctr"/>
+            <a:endParaRPr lang="en-US"/>
+          </a:p>
+        </p:txBody>
+      </p:sp>
+      <p:cxnSp>
+        <p:nvCxnSpPr>
+          <p:cNvPr id="16" name="Straight Arrow Connector 15"/>
+          <p:cNvCxnSpPr>
+            <a:stCxn id="9" idx="1"/>
+            <a:endCxn id="15" idx="0"/>
+          </p:cNvCxnSpPr>
+          <p:nvPr/>
+        </p:nvCxnSpPr>
+        <p:spPr>
+          <a:xfrm flipH="1" flipV="1">
+            <a:off x="7366635" y="1583690"/>
+            <a:ext cx="1332230" cy="635"/>
+          </a:xfrm>
+          <a:prstGeom prst="straightConnector1">
+            <a:avLst/>
+          </a:prstGeom>
+          <a:ln w="28575" cmpd="sng">
+            <a:solidFill>
+              <a:schemeClr val="accent1">
+                <a:shade val="50000"/>
+              </a:schemeClr>
+            </a:solidFill>
+            <a:prstDash val="solid"/>
+            <a:tailEnd type="arrow"/>
+          </a:ln>
+        </p:spPr>
+        <p:style>
+          <a:lnRef idx="1">
+            <a:schemeClr val="accent1"/>
+          </a:lnRef>
+          <a:fillRef idx="0">
+            <a:schemeClr val="accent1"/>
+          </a:fillRef>
+          <a:effectRef idx="0">
+            <a:schemeClr val="accent1"/>
+          </a:effectRef>
+          <a:fontRef idx="minor">
+            <a:schemeClr val="tx1"/>
+          </a:fontRef>
+        </p:style>
+      </p:cxnSp>
+      <p:sp>
+        <p:nvSpPr>
+          <p:cNvPr id="23" name="Flowchart: Extract 22"/>
+          <p:cNvSpPr/>
+          <p:nvPr/>
+        </p:nvSpPr>
+        <p:spPr>
+          <a:xfrm>
+            <a:off x="5788660" y="2042795"/>
+            <a:ext cx="228600" cy="285750"/>
+          </a:xfrm>
+          <a:prstGeom prst="flowChartExtract">
+            <a:avLst/>
+          </a:prstGeom>
+        </p:spPr>
+        <p:style>
+          <a:lnRef idx="2">
+            <a:schemeClr val="accent6"/>
+          </a:lnRef>
+          <a:fillRef idx="1">
+            <a:schemeClr val="lt1"/>
+          </a:fillRef>
+          <a:effectRef idx="0">
+            <a:schemeClr val="accent6"/>
+          </a:effectRef>
+          <a:fontRef idx="minor">
+            <a:schemeClr val="dk1"/>
+          </a:fontRef>
+        </p:style>
+        <p:txBody>
+          <a:bodyPr rtlCol="0" anchor="ctr"/>
+          <a:p>
+            <a:pPr algn="ctr"/>
+            <a:endParaRPr lang="en-US"/>
+          </a:p>
+        </p:txBody>
+      </p:sp>
+      <p:sp>
+        <p:nvSpPr>
+          <p:cNvPr id="24" name="Flowchart: Extract 23"/>
+          <p:cNvSpPr/>
+          <p:nvPr/>
+        </p:nvSpPr>
+        <p:spPr>
+          <a:xfrm>
+            <a:off x="6887210" y="2042795"/>
+            <a:ext cx="228600" cy="285750"/>
+          </a:xfrm>
+          <a:prstGeom prst="flowChartExtract">
+            <a:avLst/>
+          </a:prstGeom>
+        </p:spPr>
+        <p:style>
+          <a:lnRef idx="2">
+            <a:schemeClr val="accent6"/>
+          </a:lnRef>
+          <a:fillRef idx="1">
+            <a:schemeClr val="lt1"/>
+          </a:fillRef>
+          <a:effectRef idx="0">
+            <a:schemeClr val="accent6"/>
+          </a:effectRef>
+          <a:fontRef idx="minor">
+            <a:schemeClr val="dk1"/>
+          </a:fontRef>
+        </p:style>
+        <p:txBody>
+          <a:bodyPr rtlCol="0" anchor="ctr"/>
+          <a:p>
+            <a:pPr algn="ctr"/>
+            <a:endParaRPr lang="en-US"/>
+          </a:p>
+        </p:txBody>
+      </p:sp>
+      <p:cxnSp>
+        <p:nvCxnSpPr>
+          <p:cNvPr id="25" name="Straight Connector 24"/>
+          <p:cNvCxnSpPr>
+            <a:endCxn id="23" idx="2"/>
+          </p:cNvCxnSpPr>
+          <p:nvPr/>
+        </p:nvCxnSpPr>
+        <p:spPr>
+          <a:xfrm flipV="1">
+            <a:off x="5293360" y="2328545"/>
+            <a:ext cx="609600" cy="1876425"/>
+          </a:xfrm>
+          <a:prstGeom prst="line">
+            <a:avLst/>
+          </a:prstGeom>
+        </p:spPr>
+        <p:style>
+          <a:lnRef idx="1">
+            <a:schemeClr val="accent1"/>
+          </a:lnRef>
+          <a:fillRef idx="0">
+            <a:schemeClr val="accent1"/>
+          </a:fillRef>
+          <a:effectRef idx="0">
+            <a:schemeClr val="accent1"/>
+          </a:effectRef>
+          <a:fontRef idx="minor">
+            <a:schemeClr val="tx1"/>
+          </a:fontRef>
+        </p:style>
+      </p:cxnSp>
+      <p:cxnSp>
+        <p:nvCxnSpPr>
+          <p:cNvPr id="26" name="Straight Connector 25"/>
+          <p:cNvCxnSpPr/>
+          <p:nvPr/>
+        </p:nvCxnSpPr>
+        <p:spPr>
+          <a:xfrm flipH="1" flipV="1">
+            <a:off x="7040880" y="2352040"/>
+            <a:ext cx="443230" cy="1891030"/>
+          </a:xfrm>
+          <a:prstGeom prst="line">
+            <a:avLst/>
+          </a:prstGeom>
+        </p:spPr>
+        <p:style>
+          <a:lnRef idx="1">
+            <a:schemeClr val="accent1"/>
+          </a:lnRef>
+          <a:fillRef idx="0">
+            <a:schemeClr val="accent1"/>
+          </a:fillRef>
+          <a:effectRef idx="0">
+            <a:schemeClr val="accent1"/>
+          </a:effectRef>
+          <a:fontRef idx="minor">
+            <a:schemeClr val="tx1"/>
+          </a:fontRef>
+        </p:style>
+      </p:cxnSp>
     </p:spTree>
-    <p:extLst>
-      <p:ext uri="{BB962C8B-B14F-4D97-AF65-F5344CB8AC3E}">
-        <p14:creationId xmlns:p14="http://schemas.microsoft.com/office/powerpoint/2010/main" val="4187627326"/>
-      </p:ext>
-    </p:extLst>
   </p:cSld>
   <p:clrMapOvr>
     <a:masterClrMapping/>
@@ -8338,184 +9053,83 @@
         <p:cNvGrpSpPr/>
         <p:nvPr/>
       </p:nvGrpSpPr>
-      <p:grpSpPr>
-        <a:xfrm>
-          <a:off x="0" y="0"/>
-          <a:ext cx="0" cy="0"/>
-          <a:chOff x="0" y="0"/>
-          <a:chExt cx="0" cy="0"/>
-        </a:xfrm>
-      </p:grpSpPr>
-      <p:sp>
-        <p:nvSpPr>
-          <p:cNvPr id="2" name="标题 1">
-            <a:extLst>
-              <a:ext uri="{FF2B5EF4-FFF2-40B4-BE49-F238E27FC236}">
-                <a16:creationId xmlns:a16="http://schemas.microsoft.com/office/drawing/2014/main" id="{F13C42E4-D8FA-4B88-8E9E-95DCD423991C}"/>
-              </a:ext>
-            </a:extLst>
-          </p:cNvPr>
+      <p:grpSpPr/>
+      <p:sp>
+        <p:nvSpPr>
+          <p:cNvPr id="2" name="Title 1"/>
           <p:cNvSpPr>
             <a:spLocks noGrp="1"/>
           </p:cNvSpPr>
           <p:nvPr>
             <p:ph type="title"/>
-          </p:nvPr>
-        </p:nvSpPr>
-        <p:spPr/>
-        <p:txBody>
-          <a:bodyPr/>
-          <a:lstStyle/>
-          <a:p>
-            <a:r>
-              <a:rPr lang="zh-CN" altLang="en-US" b="1" dirty="0"/>
-              <a:t>建造者模式的优缺点</a:t>
-            </a:r>
-            <a:br>
-              <a:rPr lang="zh-CN" altLang="en-US" b="1" dirty="0"/>
-            </a:br>
-            <a:endParaRPr lang="zh-CN" altLang="en-US" dirty="0"/>
-          </a:p>
-        </p:txBody>
-      </p:sp>
-      <p:sp>
-        <p:nvSpPr>
-          <p:cNvPr id="3" name="内容占位符 2">
-            <a:extLst>
-              <a:ext uri="{FF2B5EF4-FFF2-40B4-BE49-F238E27FC236}">
-                <a16:creationId xmlns:a16="http://schemas.microsoft.com/office/drawing/2014/main" id="{A7FDBC18-390B-4512-AC31-08FA2B04E314}"/>
-              </a:ext>
-            </a:extLst>
-          </p:cNvPr>
-          <p:cNvSpPr>
-            <a:spLocks noGrp="1"/>
-          </p:cNvSpPr>
-          <p:nvPr>
-            <p:ph idx="1"/>
           </p:nvPr>
         </p:nvSpPr>
         <p:spPr>
           <a:xfrm>
-            <a:off x="1470625" y="1905000"/>
-            <a:ext cx="8915400" cy="3777622"/>
+            <a:off x="1884680" y="708660"/>
+            <a:ext cx="8911590" cy="925830"/>
           </a:xfrm>
         </p:spPr>
         <p:txBody>
           <a:bodyPr/>
-          <a:lstStyle/>
-          <a:p>
-            <a:r>
-              <a:rPr lang="zh-CN" altLang="en-US" b="1" dirty="0"/>
-              <a:t>优点</a:t>
-            </a:r>
-          </a:p>
-          <a:p>
-            <a:r>
-              <a:rPr lang="zh-CN" altLang="en-US" dirty="0"/>
-              <a:t>建造者模式的</a:t>
-            </a:r>
-            <a:r>
-              <a:rPr lang="zh-CN" altLang="en-US" b="1" dirty="0"/>
-              <a:t>封装性很好。使用建造者模式可以有效的</a:t>
-            </a:r>
-            <a:r>
-              <a:rPr lang="zh-CN" altLang="en-US" b="1" dirty="0">
-                <a:solidFill>
-                  <a:srgbClr val="FF0000"/>
-                </a:solidFill>
-              </a:rPr>
-              <a:t>封装</a:t>
-            </a:r>
-            <a:r>
-              <a:rPr lang="zh-CN" altLang="en-US" b="1" dirty="0"/>
-              <a:t>变化</a:t>
-            </a:r>
-            <a:r>
-              <a:rPr lang="zh-CN" altLang="en-US" dirty="0"/>
-              <a:t>，在使用建造者模式的场景中，一般产品类和建造者类是比较稳定的，因此，将主要的业务逻辑封装在导演类中对整体而言可以取得比较好的稳定性。</a:t>
-            </a:r>
-          </a:p>
-          <a:p>
-            <a:r>
-              <a:rPr lang="zh-CN" altLang="en-US" dirty="0"/>
-              <a:t>在建造者模式中，</a:t>
-            </a:r>
-            <a:r>
-              <a:rPr lang="zh-CN" altLang="en-US" b="1" dirty="0"/>
-              <a:t>客户端不必知道产品内部组成的细节</a:t>
-            </a:r>
-            <a:r>
-              <a:rPr lang="zh-CN" altLang="en-US" dirty="0"/>
-              <a:t>，将产品本身与产品的</a:t>
-            </a:r>
-            <a:r>
-              <a:rPr lang="zh-CN" altLang="en-US" dirty="0">
-                <a:solidFill>
-                  <a:srgbClr val="FF0000"/>
-                </a:solidFill>
-              </a:rPr>
-              <a:t>创建过程解耦</a:t>
-            </a:r>
-            <a:r>
-              <a:rPr lang="zh-CN" altLang="en-US" dirty="0"/>
-              <a:t>，使得相同的创建过程可以创建不同的产品对象。</a:t>
-            </a:r>
-          </a:p>
-          <a:p>
-            <a:r>
-              <a:rPr lang="zh-CN" altLang="en-US" b="1" dirty="0"/>
-              <a:t>可以更加精细地控制产品的创建过程</a:t>
-            </a:r>
-            <a:r>
-              <a:rPr lang="zh-CN" altLang="en-US" dirty="0"/>
-              <a:t> 。将复杂产品的创建</a:t>
-            </a:r>
-            <a:r>
-              <a:rPr lang="zh-CN" altLang="en-US" dirty="0">
-                <a:solidFill>
-                  <a:srgbClr val="FF0000"/>
-                </a:solidFill>
-              </a:rPr>
-              <a:t>步骤分解</a:t>
-            </a:r>
-            <a:r>
-              <a:rPr lang="zh-CN" altLang="en-US" dirty="0"/>
-              <a:t>在不同的方法中，使得创建过程更加清晰，也更方便使用程序来控制创建过程。</a:t>
-            </a:r>
-          </a:p>
-          <a:p>
-            <a:r>
-              <a:rPr lang="zh-CN" altLang="en-US" dirty="0"/>
-              <a:t>其次，</a:t>
-            </a:r>
-            <a:r>
-              <a:rPr lang="zh-CN" altLang="en-US" b="1" dirty="0"/>
-              <a:t>建造者模式很容易进行</a:t>
-            </a:r>
-            <a:r>
-              <a:rPr lang="zh-CN" altLang="en-US" b="1" dirty="0">
-                <a:solidFill>
-                  <a:srgbClr val="FF0000"/>
-                </a:solidFill>
-              </a:rPr>
-              <a:t>扩展</a:t>
-            </a:r>
-            <a:r>
-              <a:rPr lang="zh-CN" altLang="en-US" dirty="0"/>
-              <a:t>。如果有新的需求，通过实现一个新的建造者类就可以完成，基本上不用修改之前已经测试通过的代码，因此也就不会对原有功能引入风险。符合开闭原则。</a:t>
-            </a:r>
-          </a:p>
-          <a:p>
-            <a:endParaRPr lang="zh-CN" altLang="en-US" dirty="0"/>
-          </a:p>
-        </p:txBody>
-      </p:sp>
+          <a:p>
+            <a:r>
+              <a:rPr lang="en-US" altLang="en-US"/>
+              <a:t>案例 某游戏需要创建角色</a:t>
+            </a:r>
+            <a:endParaRPr lang="en-US" altLang="en-US"/>
+          </a:p>
+        </p:txBody>
+      </p:sp>
+      <p:pic>
+        <p:nvPicPr>
+          <p:cNvPr id="4" name="Picture 3" descr="role"/>
+          <p:cNvPicPr>
+            <a:picLocks noChangeAspect="1"/>
+          </p:cNvPicPr>
+          <p:nvPr/>
+        </p:nvPicPr>
+        <p:blipFill>
+          <a:blip r:embed="rId1"/>
+          <a:stretch>
+            <a:fillRect/>
+          </a:stretch>
+        </p:blipFill>
+        <p:spPr>
+          <a:xfrm>
+            <a:off x="1982470" y="1684655"/>
+            <a:ext cx="4189730" cy="2689225"/>
+          </a:xfrm>
+          <a:prstGeom prst="rect">
+            <a:avLst/>
+          </a:prstGeom>
+        </p:spPr>
+      </p:pic>
+      <p:pic>
+        <p:nvPicPr>
+          <p:cNvPr id="6" name="Picture 5" descr="BuilderClass"/>
+          <p:cNvPicPr>
+            <a:picLocks noChangeAspect="1"/>
+          </p:cNvPicPr>
+          <p:nvPr/>
+        </p:nvPicPr>
+        <p:blipFill>
+          <a:blip r:embed="rId2"/>
+          <a:stretch>
+            <a:fillRect/>
+          </a:stretch>
+        </p:blipFill>
+        <p:spPr>
+          <a:xfrm>
+            <a:off x="7198995" y="1016000"/>
+            <a:ext cx="4486910" cy="5010785"/>
+          </a:xfrm>
+          <a:prstGeom prst="rect">
+            <a:avLst/>
+          </a:prstGeom>
+        </p:spPr>
+      </p:pic>
     </p:spTree>
-    <p:extLst>
-      <p:ext uri="{BB962C8B-B14F-4D97-AF65-F5344CB8AC3E}">
-        <p14:creationId xmlns:p14="http://schemas.microsoft.com/office/powerpoint/2010/main" val="2629722044"/>
-      </p:ext>
-    </p:extLst>
   </p:cSld>
   <p:clrMapOvr>
     <a:masterClrMapping/>
@@ -8532,92 +9146,56 @@
         <p:cNvGrpSpPr/>
         <p:nvPr/>
       </p:nvGrpSpPr>
-      <p:grpSpPr>
-        <a:xfrm>
-          <a:off x="0" y="0"/>
-          <a:ext cx="0" cy="0"/>
-          <a:chOff x="0" y="0"/>
-          <a:chExt cx="0" cy="0"/>
-        </a:xfrm>
-      </p:grpSpPr>
-      <p:sp>
-        <p:nvSpPr>
-          <p:cNvPr id="3" name="内容占位符 2">
-            <a:extLst>
-              <a:ext uri="{FF2B5EF4-FFF2-40B4-BE49-F238E27FC236}">
-                <a16:creationId xmlns:a16="http://schemas.microsoft.com/office/drawing/2014/main" id="{85F2F67C-70BC-4FDB-97D6-4954A4AFD97E}"/>
-              </a:ext>
-            </a:extLst>
-          </p:cNvPr>
-          <p:cNvSpPr>
-            <a:spLocks noGrp="1"/>
-          </p:cNvSpPr>
-          <p:nvPr>
-            <p:ph idx="1"/>
-          </p:nvPr>
-        </p:nvSpPr>
+      <p:grpSpPr/>
+      <p:pic>
+        <p:nvPicPr>
+          <p:cNvPr id="4" name="Picture 3" descr="CommonRoleBuilder"/>
+          <p:cNvPicPr>
+            <a:picLocks noChangeAspect="1"/>
+          </p:cNvPicPr>
+          <p:nvPr/>
+        </p:nvPicPr>
+        <p:blipFill>
+          <a:blip r:embed="rId1"/>
+          <a:stretch>
+            <a:fillRect/>
+          </a:stretch>
+        </p:blipFill>
         <p:spPr>
           <a:xfrm>
-            <a:off x="1967775" y="1441142"/>
-            <a:ext cx="8915400" cy="3777622"/>
-          </a:xfrm>
-        </p:spPr>
-        <p:txBody>
-          <a:bodyPr/>
-          <a:lstStyle/>
-          <a:p>
-            <a:r>
-              <a:rPr lang="zh-CN" altLang="en-US" b="1" dirty="0"/>
-              <a:t>缺点</a:t>
-            </a:r>
-          </a:p>
-          <a:p>
-            <a:r>
-              <a:rPr lang="zh-CN" altLang="en-US" dirty="0"/>
-              <a:t>建造者模式所创建的产品一般具有较多的共同点，其组成部分相似，如果产品之间的</a:t>
-            </a:r>
-            <a:r>
-              <a:rPr lang="zh-CN" altLang="en-US" dirty="0">
-                <a:solidFill>
-                  <a:srgbClr val="FF0000"/>
-                </a:solidFill>
-              </a:rPr>
-              <a:t>差异性很大</a:t>
-            </a:r>
-            <a:r>
-              <a:rPr lang="zh-CN" altLang="en-US" dirty="0"/>
-              <a:t>，则不适合使用建造者模式，因此其使用范围受到一定的限制。</a:t>
-            </a:r>
-          </a:p>
-          <a:p>
-            <a:r>
-              <a:rPr lang="zh-CN" altLang="en-US" dirty="0"/>
-              <a:t>如果产品的</a:t>
-            </a:r>
-            <a:r>
-              <a:rPr lang="zh-CN" altLang="en-US" dirty="0">
-                <a:solidFill>
-                  <a:srgbClr val="FF0000"/>
-                </a:solidFill>
-              </a:rPr>
-              <a:t>内部变化复杂</a:t>
-            </a:r>
-            <a:r>
-              <a:rPr lang="zh-CN" altLang="en-US" dirty="0"/>
-              <a:t>，可能会导致需要定义很多具体建造者类来实现这种变化，导致系统变得很庞大。</a:t>
-            </a:r>
-          </a:p>
-          <a:p>
-            <a:endParaRPr lang="zh-CN" altLang="en-US" dirty="0"/>
-          </a:p>
-        </p:txBody>
-      </p:sp>
+            <a:off x="6750685" y="661670"/>
+            <a:ext cx="4639310" cy="5534660"/>
+          </a:xfrm>
+          <a:prstGeom prst="rect">
+            <a:avLst/>
+          </a:prstGeom>
+        </p:spPr>
+      </p:pic>
+      <p:pic>
+        <p:nvPicPr>
+          <p:cNvPr id="7" name="Picture 6" descr="Director"/>
+          <p:cNvPicPr>
+            <a:picLocks noChangeAspect="1"/>
+          </p:cNvPicPr>
+          <p:nvPr/>
+        </p:nvPicPr>
+        <p:blipFill>
+          <a:blip r:embed="rId2"/>
+          <a:stretch>
+            <a:fillRect/>
+          </a:stretch>
+        </p:blipFill>
+        <p:spPr>
+          <a:xfrm>
+            <a:off x="1900555" y="1435735"/>
+            <a:ext cx="4296410" cy="3582035"/>
+          </a:xfrm>
+          <a:prstGeom prst="rect">
+            <a:avLst/>
+          </a:prstGeom>
+        </p:spPr>
+      </p:pic>
     </p:spTree>
-    <p:extLst>
-      <p:ext uri="{BB962C8B-B14F-4D97-AF65-F5344CB8AC3E}">
-        <p14:creationId xmlns:p14="http://schemas.microsoft.com/office/powerpoint/2010/main" val="292845854"/>
-      </p:ext>
-    </p:extLst>
   </p:cSld>
   <p:clrMapOvr>
     <a:masterClrMapping/>
@@ -8634,134 +9212,32 @@
         <p:cNvGrpSpPr/>
         <p:nvPr/>
       </p:nvGrpSpPr>
-      <p:grpSpPr>
-        <a:xfrm>
-          <a:off x="0" y="0"/>
-          <a:ext cx="0" cy="0"/>
-          <a:chOff x="0" y="0"/>
-          <a:chExt cx="0" cy="0"/>
-        </a:xfrm>
-      </p:grpSpPr>
-      <p:sp>
-        <p:nvSpPr>
-          <p:cNvPr id="2" name="标题 1">
-            <a:extLst>
-              <a:ext uri="{FF2B5EF4-FFF2-40B4-BE49-F238E27FC236}">
-                <a16:creationId xmlns:a16="http://schemas.microsoft.com/office/drawing/2014/main" id="{013FDC81-6AA5-45B7-BC79-364B5BA7CFF1}"/>
-              </a:ext>
-            </a:extLst>
-          </p:cNvPr>
-          <p:cNvSpPr>
-            <a:spLocks noGrp="1"/>
-          </p:cNvSpPr>
-          <p:nvPr>
-            <p:ph type="title"/>
-          </p:nvPr>
-        </p:nvSpPr>
-        <p:spPr/>
-        <p:txBody>
-          <a:bodyPr/>
-          <a:lstStyle/>
-          <a:p>
-            <a:r>
-              <a:rPr lang="zh-CN" altLang="en-US" b="1" dirty="0"/>
-              <a:t>建造者模式与工厂模式的区别</a:t>
-            </a:r>
-            <a:br>
-              <a:rPr lang="zh-CN" altLang="en-US" b="1" dirty="0"/>
-            </a:br>
-            <a:endParaRPr lang="zh-CN" altLang="en-US" dirty="0"/>
-          </a:p>
-        </p:txBody>
-      </p:sp>
-      <p:sp>
-        <p:nvSpPr>
-          <p:cNvPr id="3" name="内容占位符 2">
-            <a:extLst>
-              <a:ext uri="{FF2B5EF4-FFF2-40B4-BE49-F238E27FC236}">
-                <a16:creationId xmlns:a16="http://schemas.microsoft.com/office/drawing/2014/main" id="{77FFCED7-DE4E-4443-B251-CB194058F9F3}"/>
-              </a:ext>
-            </a:extLst>
-          </p:cNvPr>
-          <p:cNvSpPr>
-            <a:spLocks noGrp="1"/>
-          </p:cNvSpPr>
-          <p:nvPr>
-            <p:ph idx="1"/>
-          </p:nvPr>
-        </p:nvSpPr>
-        <p:spPr/>
-        <p:txBody>
-          <a:bodyPr/>
-          <a:lstStyle/>
-          <a:p>
-            <a:r>
-              <a:rPr lang="zh-CN" altLang="en-US" dirty="0"/>
-              <a:t>建造者模“式仅仅只比工厂模式多了一个”</a:t>
-            </a:r>
-            <a:r>
-              <a:rPr lang="zh-CN" altLang="en-US" dirty="0">
-                <a:solidFill>
-                  <a:srgbClr val="FF0000"/>
-                </a:solidFill>
-              </a:rPr>
-              <a:t>指挥者</a:t>
-            </a:r>
-            <a:r>
-              <a:rPr lang="zh-CN" altLang="en-US" dirty="0"/>
-              <a:t>“</a:t>
-            </a:r>
-            <a:endParaRPr lang="en-US" altLang="zh-CN" dirty="0"/>
-          </a:p>
-          <a:p>
-            <a:r>
-              <a:rPr lang="zh-CN" altLang="en-US" dirty="0"/>
-              <a:t>建造者模式一般用来创建更为</a:t>
-            </a:r>
-            <a:r>
-              <a:rPr lang="zh-CN" altLang="en-US" dirty="0">
-                <a:solidFill>
-                  <a:srgbClr val="FF0000"/>
-                </a:solidFill>
-              </a:rPr>
-              <a:t>复杂的对象</a:t>
-            </a:r>
-            <a:r>
-              <a:rPr lang="zh-CN" altLang="en-US" dirty="0"/>
-              <a:t>，因为对象的创建过程更为复杂，因此将对象的创建过程独立出来组成一个新的类</a:t>
-            </a:r>
-            <a:r>
-              <a:rPr lang="en-US" altLang="zh-CN" dirty="0"/>
-              <a:t>——</a:t>
-            </a:r>
-            <a:r>
-              <a:rPr lang="zh-CN" altLang="en-US" dirty="0">
-                <a:solidFill>
-                  <a:srgbClr val="FF0000"/>
-                </a:solidFill>
-              </a:rPr>
-              <a:t>导演类</a:t>
-            </a:r>
-            <a:r>
-              <a:rPr lang="zh-CN" altLang="en-US" dirty="0"/>
-              <a:t>。</a:t>
-            </a:r>
-            <a:endParaRPr lang="en-US" altLang="zh-CN" dirty="0"/>
-          </a:p>
-          <a:p>
-            <a:r>
-              <a:rPr lang="zh-CN" altLang="en-US" dirty="0"/>
-              <a:t>工厂模式是将对象的全部创建过程封装在工厂类中，由工厂类向客户端提供最终的产品；而建造者模式中，建造者类一般只提供产品类中各个组件的建造，而将具体建造过程交付给导演类。由导演类负责将各个组件按照特定的规则组建为产品，然后将组建好的产品交付给客户端。</a:t>
-            </a:r>
-          </a:p>
-        </p:txBody>
-      </p:sp>
+      <p:grpSpPr/>
+      <p:pic>
+        <p:nvPicPr>
+          <p:cNvPr id="5" name="Picture 4" descr="test1"/>
+          <p:cNvPicPr>
+            <a:picLocks noChangeAspect="1"/>
+          </p:cNvPicPr>
+          <p:nvPr/>
+        </p:nvPicPr>
+        <p:blipFill>
+          <a:blip r:embed="rId1"/>
+          <a:stretch>
+            <a:fillRect/>
+          </a:stretch>
+        </p:blipFill>
+        <p:spPr>
+          <a:xfrm>
+            <a:off x="1184910" y="509270"/>
+            <a:ext cx="9821545" cy="5839460"/>
+          </a:xfrm>
+          <a:prstGeom prst="rect">
+            <a:avLst/>
+          </a:prstGeom>
+        </p:spPr>
+      </p:pic>
     </p:spTree>
-    <p:extLst>
-      <p:ext uri="{BB962C8B-B14F-4D97-AF65-F5344CB8AC3E}">
-        <p14:creationId xmlns:p14="http://schemas.microsoft.com/office/powerpoint/2010/main" val="3151933401"/>
-      </p:ext>
-    </p:extLst>
   </p:cSld>
   <p:clrMapOvr>
     <a:masterClrMapping/>
@@ -8788,13 +9264,7 @@
       </p:grpSpPr>
       <p:sp>
         <p:nvSpPr>
-          <p:cNvPr id="2" name="标题 1">
-            <a:extLst>
-              <a:ext uri="{FF2B5EF4-FFF2-40B4-BE49-F238E27FC236}">
-                <a16:creationId xmlns:a16="http://schemas.microsoft.com/office/drawing/2014/main" id="{351E5B18-4AF4-4E4E-B444-091FC7035485}"/>
-              </a:ext>
-            </a:extLst>
-          </p:cNvPr>
+          <p:cNvPr id="2" name="标题 1"/>
           <p:cNvSpPr>
             <a:spLocks noGrp="1"/>
           </p:cNvSpPr>
@@ -8802,14 +9272,19 @@
             <p:ph type="title"/>
           </p:nvPr>
         </p:nvSpPr>
-        <p:spPr/>
+        <p:spPr>
+          <a:xfrm>
+            <a:off x="1699480" y="624110"/>
+            <a:ext cx="8911687" cy="1280890"/>
+          </a:xfrm>
+        </p:spPr>
         <p:txBody>
           <a:bodyPr/>
           <a:lstStyle/>
           <a:p>
             <a:r>
               <a:rPr lang="zh-CN" altLang="en-US" b="1" dirty="0"/>
-              <a:t>总结</a:t>
+              <a:t>建造者模式的优缺点</a:t>
             </a:r>
             <a:br>
               <a:rPr lang="zh-CN" altLang="en-US" b="1" dirty="0"/>
@@ -8820,13 +9295,7 @@
       </p:sp>
       <p:sp>
         <p:nvSpPr>
-          <p:cNvPr id="3" name="内容占位符 2">
-            <a:extLst>
-              <a:ext uri="{FF2B5EF4-FFF2-40B4-BE49-F238E27FC236}">
-                <a16:creationId xmlns:a16="http://schemas.microsoft.com/office/drawing/2014/main" id="{EF10FBCF-0357-4CFD-8377-B27951D123E8}"/>
-              </a:ext>
-            </a:extLst>
-          </p:cNvPr>
+          <p:cNvPr id="3" name="内容占位符 2"/>
           <p:cNvSpPr>
             <a:spLocks noGrp="1"/>
           </p:cNvSpPr>
@@ -8836,17 +9305,68 @@
         </p:nvSpPr>
         <p:spPr>
           <a:xfrm>
-            <a:off x="2589212" y="2133600"/>
-            <a:ext cx="8915400" cy="2269724"/>
+            <a:off x="1470625" y="1905000"/>
+            <a:ext cx="8915400" cy="3777622"/>
           </a:xfrm>
         </p:spPr>
         <p:txBody>
           <a:bodyPr/>
           <a:lstStyle/>
           <a:p>
+            <a:pPr marL="0" indent="0">
+              <a:buNone/>
+            </a:pPr>
+            <a:r>
+              <a:rPr lang="zh-CN" altLang="en-US" b="1" dirty="0"/>
+              <a:t>优点</a:t>
+            </a:r>
+            <a:endParaRPr lang="zh-CN" altLang="en-US" b="1" dirty="0"/>
+          </a:p>
+          <a:p>
+            <a:pPr marL="0" indent="0">
+              <a:buNone/>
+            </a:pPr>
             <a:r>
               <a:rPr lang="zh-CN" altLang="en-US" dirty="0"/>
-              <a:t>在建造者模式的结构中引入了一个</a:t>
+              <a:t>建造者模式的</a:t>
+            </a:r>
+            <a:r>
+              <a:rPr lang="zh-CN" altLang="en-US" b="1" dirty="0"/>
+              <a:t>封装性很好。使用建造者模式可以有效的</a:t>
+            </a:r>
+            <a:r>
+              <a:rPr lang="zh-CN" altLang="en-US" b="1" dirty="0">
+                <a:solidFill>
+                  <a:srgbClr val="FF0000"/>
+                </a:solidFill>
+              </a:rPr>
+              <a:t>封装</a:t>
+            </a:r>
+            <a:r>
+              <a:rPr lang="zh-CN" altLang="en-US" b="1" dirty="0"/>
+              <a:t>变化</a:t>
+            </a:r>
+            <a:r>
+              <a:rPr lang="zh-CN" altLang="en-US" dirty="0"/>
+              <a:t>，在使用建造者模式的场景中，一般产品类和建造者类是比较稳定的，因此，将主要的业务逻辑封装在导演类中对整体而言可以取得比较好的稳定性。</a:t>
+            </a:r>
+            <a:endParaRPr lang="zh-CN" altLang="en-US" dirty="0"/>
+          </a:p>
+          <a:p>
+            <a:pPr marL="0" indent="0">
+              <a:buNone/>
+            </a:pPr>
+            <a:r>
+              <a:rPr lang="zh-CN" altLang="en-US" dirty="0"/>
+              <a:t>在建造者模式中，</a:t>
+            </a:r>
+            <a:r>
+              <a:rPr lang="zh-CN" altLang="en-US" b="1" dirty="0"/>
+              <a:t>客户端不必知道产品内部组成的细节</a:t>
+            </a:r>
+            <a:r>
+              <a:rPr lang="zh-CN" altLang="en-US" dirty="0"/>
+              <a:t>，将产品本身与产品的</a:t>
             </a:r>
             <a:r>
               <a:rPr lang="zh-CN" altLang="en-US" dirty="0">
@@ -8854,38 +9374,72 @@
                   <a:srgbClr val="FF0000"/>
                 </a:solidFill>
               </a:rPr>
-              <a:t>指挥者</a:t>
+              <a:t>创建过程解耦</a:t>
             </a:r>
             <a:r>
               <a:rPr lang="zh-CN" altLang="en-US" dirty="0"/>
-              <a:t>类，该类的作用主要有两个：</a:t>
-            </a:r>
-            <a:endParaRPr lang="en-US" altLang="zh-CN" dirty="0"/>
-          </a:p>
-          <a:p>
+              <a:t>，使得相同的创建过程可以创建不同的产品对象。</a:t>
+            </a:r>
+            <a:endParaRPr lang="zh-CN" altLang="en-US" dirty="0"/>
+          </a:p>
+          <a:p>
+            <a:pPr marL="0" indent="0">
+              <a:buNone/>
+            </a:pPr>
+            <a:r>
+              <a:rPr lang="zh-CN" altLang="en-US" b="1" dirty="0"/>
+              <a:t>可以更加精细地控制产品的创建过程</a:t>
+            </a:r>
             <a:r>
               <a:rPr lang="zh-CN" altLang="en-US" dirty="0"/>
-              <a:t>一方面它隔离了客户与生产过程；</a:t>
-            </a:r>
-            <a:endParaRPr lang="en-US" altLang="zh-CN" dirty="0"/>
-          </a:p>
-          <a:p>
+              <a:t> 。将复杂产品的创建</a:t>
+            </a:r>
+            <a:r>
+              <a:rPr lang="zh-CN" altLang="en-US" dirty="0">
+                <a:solidFill>
+                  <a:srgbClr val="FF0000"/>
+                </a:solidFill>
+              </a:rPr>
+              <a:t>步骤分解</a:t>
+            </a:r>
             <a:r>
               <a:rPr lang="zh-CN" altLang="en-US" dirty="0"/>
-              <a:t>另一方面它负责控制产品的生成过程。</a:t>
-            </a:r>
-          </a:p>
-          <a:p>
+              <a:t>在不同的方法中，使得创建过程更加清晰，也更方便使用程序来控制创建过程。</a:t>
+            </a:r>
             <a:endParaRPr lang="zh-CN" altLang="en-US" dirty="0"/>
           </a:p>
+          <a:p>
+            <a:pPr marL="0" indent="0">
+              <a:buNone/>
+            </a:pPr>
+            <a:r>
+              <a:rPr lang="zh-CN" altLang="en-US" dirty="0"/>
+              <a:t>其次，</a:t>
+            </a:r>
+            <a:r>
+              <a:rPr lang="zh-CN" altLang="en-US" b="1" dirty="0"/>
+              <a:t>建造者模式很容易进行</a:t>
+            </a:r>
+            <a:r>
+              <a:rPr lang="zh-CN" altLang="en-US" b="1" dirty="0">
+                <a:solidFill>
+                  <a:srgbClr val="FF0000"/>
+                </a:solidFill>
+              </a:rPr>
+              <a:t>扩展</a:t>
+            </a:r>
+            <a:r>
+              <a:rPr lang="zh-CN" altLang="en-US" dirty="0"/>
+              <a:t>。如果有新的需求，通过实现一个新的建造者类就可以完成，基本上不用修改之前已经测试通过的代码，因此也就不会对原有功能引入风险。符合开闭原则。</a:t>
+            </a:r>
+            <a:endParaRPr lang="zh-CN" altLang="en-US" dirty="0"/>
+          </a:p>
+          <a:p>
+            <a:endParaRPr lang="zh-CN" altLang="en-US" dirty="0"/>
+          </a:p>
         </p:txBody>
       </p:sp>
     </p:spTree>
-    <p:extLst>
-      <p:ext uri="{BB962C8B-B14F-4D97-AF65-F5344CB8AC3E}">
-        <p14:creationId xmlns:p14="http://schemas.microsoft.com/office/powerpoint/2010/main" val="3825843311"/>
-      </p:ext>
-    </p:extLst>
   </p:cSld>
   <p:clrMapOvr>
     <a:masterClrMapping/>
@@ -8912,60 +9466,136 @@
       </p:grpSpPr>
       <p:sp>
         <p:nvSpPr>
-          <p:cNvPr id="2" name="标题 1">
-            <a:extLst>
-              <a:ext uri="{FF2B5EF4-FFF2-40B4-BE49-F238E27FC236}">
-                <a16:creationId xmlns:a16="http://schemas.microsoft.com/office/drawing/2014/main" id="{E2461E44-9F17-4C44-82E5-C9256C2AF883}"/>
-              </a:ext>
-            </a:extLst>
-          </p:cNvPr>
-          <p:cNvSpPr>
-            <a:spLocks noGrp="1"/>
-          </p:cNvSpPr>
-          <p:nvPr>
-            <p:ph type="title"/>
-          </p:nvPr>
-        </p:nvSpPr>
-        <p:spPr/>
+          <p:cNvPr id="3" name="内容占位符 2"/>
+          <p:cNvSpPr>
+            <a:spLocks noGrp="1"/>
+          </p:cNvSpPr>
+          <p:nvPr>
+            <p:ph idx="1"/>
+          </p:nvPr>
+        </p:nvSpPr>
+        <p:spPr>
+          <a:xfrm>
+            <a:off x="1967775" y="1441142"/>
+            <a:ext cx="8915400" cy="3777622"/>
+          </a:xfrm>
+        </p:spPr>
         <p:txBody>
           <a:bodyPr/>
           <a:lstStyle/>
           <a:p>
-            <a:endParaRPr lang="zh-CN" altLang="en-US"/>
-          </a:p>
-        </p:txBody>
-      </p:sp>
-      <p:sp>
-        <p:nvSpPr>
-          <p:cNvPr id="3" name="内容占位符 2">
-            <a:extLst>
-              <a:ext uri="{FF2B5EF4-FFF2-40B4-BE49-F238E27FC236}">
-                <a16:creationId xmlns:a16="http://schemas.microsoft.com/office/drawing/2014/main" id="{650D9381-A436-4723-81C9-DC8B1987710C}"/>
-              </a:ext>
-            </a:extLst>
-          </p:cNvPr>
-          <p:cNvSpPr>
-            <a:spLocks noGrp="1"/>
-          </p:cNvSpPr>
-          <p:nvPr>
-            <p:ph idx="1"/>
-          </p:nvPr>
-        </p:nvSpPr>
-        <p:spPr/>
-        <p:txBody>
-          <a:bodyPr/>
-          <a:lstStyle/>
-          <a:p>
-            <a:endParaRPr lang="zh-CN" altLang="en-US"/>
+            <a:pPr marL="0" indent="0">
+              <a:buNone/>
+            </a:pPr>
+            <a:endParaRPr lang="zh-CN" altLang="en-US" sz="3600" b="1" dirty="0">
+              <a:solidFill>
+                <a:schemeClr val="tx1">
+                  <a:lumMod val="85000"/>
+                  <a:lumOff val="15000"/>
+                </a:schemeClr>
+              </a:solidFill>
+              <a:latin typeface="+mj-lt"/>
+              <a:ea typeface="+mj-ea"/>
+              <a:cs typeface="+mj-cs"/>
+            </a:endParaRPr>
+          </a:p>
+          <a:p>
+            <a:pPr marL="0" indent="0">
+              <a:buNone/>
+            </a:pPr>
+            <a:r>
+              <a:rPr lang="zh-CN" altLang="en-US" dirty="0"/>
+              <a:t>建造者模式所创建的产品一般具有较多的共同点，其组成部分相似，如果产品之间的</a:t>
+            </a:r>
+            <a:r>
+              <a:rPr lang="zh-CN" altLang="en-US" dirty="0">
+                <a:solidFill>
+                  <a:srgbClr val="FF0000"/>
+                </a:solidFill>
+              </a:rPr>
+              <a:t>差异性很大</a:t>
+            </a:r>
+            <a:r>
+              <a:rPr lang="zh-CN" altLang="en-US" dirty="0"/>
+              <a:t>，则不适合使用建造者模式，因此其使用范围受到一定的限制。</a:t>
+            </a:r>
+            <a:endParaRPr lang="zh-CN" altLang="en-US" dirty="0"/>
+          </a:p>
+          <a:p>
+            <a:pPr marL="0" indent="0">
+              <a:buNone/>
+            </a:pPr>
+            <a:r>
+              <a:rPr lang="zh-CN" altLang="en-US" dirty="0"/>
+              <a:t>如果产品的</a:t>
+            </a:r>
+            <a:r>
+              <a:rPr lang="zh-CN" altLang="en-US" dirty="0">
+                <a:solidFill>
+                  <a:srgbClr val="FF0000"/>
+                </a:solidFill>
+              </a:rPr>
+              <a:t>内部变化复杂</a:t>
+            </a:r>
+            <a:r>
+              <a:rPr lang="zh-CN" altLang="en-US" dirty="0"/>
+              <a:t>，可能会导致需要定义很多具体建造者类来实现这种变化，导致系统变得很庞大。</a:t>
+            </a:r>
+            <a:endParaRPr lang="zh-CN" altLang="en-US" dirty="0"/>
+          </a:p>
+          <a:p>
+            <a:endParaRPr lang="zh-CN" altLang="en-US" dirty="0"/>
+          </a:p>
+        </p:txBody>
+      </p:sp>
+      <p:sp>
+        <p:nvSpPr>
+          <p:cNvPr id="4" name="标题 1"/>
+          <p:cNvSpPr>
+            <a:spLocks noGrp="1"/>
+          </p:cNvSpPr>
+          <p:nvPr>
+            <p:ph type="title"/>
+          </p:nvPr>
+        </p:nvSpPr>
+        <p:spPr>
+          <a:xfrm>
+            <a:off x="1967865" y="666115"/>
+            <a:ext cx="9054465" cy="1188085"/>
+          </a:xfrm>
+        </p:spPr>
+        <p:txBody>
+          <a:bodyPr>
+            <a:normAutofit fontScale="90000"/>
+          </a:bodyPr>
+          <a:p>
+            <a:r>
+              <a:rPr lang="zh-CN" altLang="en-US" b="1" dirty="0">
+                <a:sym typeface="+mn-ea"/>
+              </a:rPr>
+              <a:t>缺点</a:t>
+            </a:r>
+            <a:br>
+              <a:rPr lang="zh-CN" altLang="en-US" b="1" dirty="0">
+                <a:solidFill>
+                  <a:schemeClr val="tx1">
+                    <a:lumMod val="85000"/>
+                    <a:lumOff val="15000"/>
+                  </a:schemeClr>
+                </a:solidFill>
+                <a:latin typeface="+mj-lt"/>
+                <a:ea typeface="+mj-ea"/>
+                <a:cs typeface="+mj-cs"/>
+              </a:rPr>
+            </a:br>
+            <a:br>
+              <a:rPr lang="zh-CN" altLang="en-US" b="1" dirty="0"/>
+            </a:br>
+            <a:endParaRPr lang="zh-CN" altLang="en-US" dirty="0"/>
           </a:p>
         </p:txBody>
       </p:sp>
     </p:spTree>
-    <p:extLst>
-      <p:ext uri="{BB962C8B-B14F-4D97-AF65-F5344CB8AC3E}">
-        <p14:creationId xmlns:p14="http://schemas.microsoft.com/office/powerpoint/2010/main" val="3758792385"/>
-      </p:ext>
-    </p:extLst>
   </p:cSld>
   <p:clrMapOvr>
     <a:masterClrMapping/>
@@ -8992,13 +9622,7 @@
       </p:grpSpPr>
       <p:sp>
         <p:nvSpPr>
-          <p:cNvPr id="2" name="标题 1">
-            <a:extLst>
-              <a:ext uri="{FF2B5EF4-FFF2-40B4-BE49-F238E27FC236}">
-                <a16:creationId xmlns:a16="http://schemas.microsoft.com/office/drawing/2014/main" id="{E7EB5481-D72F-4F29-AF2B-0A14735A7CBC}"/>
-              </a:ext>
-            </a:extLst>
-          </p:cNvPr>
+          <p:cNvPr id="2" name="标题 1"/>
           <p:cNvSpPr>
             <a:spLocks noGrp="1"/>
           </p:cNvSpPr>
@@ -9006,24 +9630,30 @@
             <p:ph type="title"/>
           </p:nvPr>
         </p:nvSpPr>
-        <p:spPr/>
+        <p:spPr>
+          <a:xfrm>
+            <a:off x="1691225" y="624110"/>
+            <a:ext cx="8911687" cy="1280890"/>
+          </a:xfrm>
+        </p:spPr>
         <p:txBody>
           <a:bodyPr/>
           <a:lstStyle/>
           <a:p>
-            <a:endParaRPr lang="zh-CN" altLang="en-US"/>
-          </a:p>
-        </p:txBody>
-      </p:sp>
-      <p:sp>
-        <p:nvSpPr>
-          <p:cNvPr id="3" name="内容占位符 2">
-            <a:extLst>
-              <a:ext uri="{FF2B5EF4-FFF2-40B4-BE49-F238E27FC236}">
-                <a16:creationId xmlns:a16="http://schemas.microsoft.com/office/drawing/2014/main" id="{2DBCCAC9-454B-4469-A4CB-961586B5FFDE}"/>
-              </a:ext>
-            </a:extLst>
-          </p:cNvPr>
+            <a:r>
+              <a:rPr lang="zh-CN" altLang="en-US" b="1" dirty="0"/>
+              <a:t>建造者模式与工厂模式的区别</a:t>
+            </a:r>
+            <a:br>
+              <a:rPr lang="zh-CN" altLang="en-US" b="1" dirty="0"/>
+            </a:br>
+            <a:endParaRPr lang="zh-CN" altLang="en-US" dirty="0"/>
+          </a:p>
+        </p:txBody>
+      </p:sp>
+      <p:sp>
+        <p:nvSpPr>
+          <p:cNvPr id="3" name="内容占位符 2"/>
           <p:cNvSpPr>
             <a:spLocks noGrp="1"/>
           </p:cNvSpPr>
@@ -9031,21 +9661,131 @@
             <p:ph idx="1"/>
           </p:nvPr>
         </p:nvSpPr>
-        <p:spPr/>
+        <p:spPr>
+          <a:xfrm>
+            <a:off x="1569402" y="2057400"/>
+            <a:ext cx="8915400" cy="3777622"/>
+          </a:xfrm>
+        </p:spPr>
         <p:txBody>
           <a:bodyPr/>
           <a:lstStyle/>
           <a:p>
-            <a:endParaRPr lang="zh-CN" altLang="en-US"/>
+            <a:pPr marL="0" indent="0">
+              <a:buNone/>
+            </a:pPr>
+            <a:r>
+              <a:rPr lang="zh-CN" altLang="en-US" dirty="0"/>
+              <a:t>建造者模“式仅仅只比工厂模式多了一个”</a:t>
+            </a:r>
+            <a:r>
+              <a:rPr lang="zh-CN" altLang="en-US" dirty="0">
+                <a:solidFill>
+                  <a:srgbClr val="FF0000"/>
+                </a:solidFill>
+              </a:rPr>
+              <a:t>指挥者</a:t>
+            </a:r>
+            <a:r>
+              <a:rPr lang="zh-CN" altLang="en-US" dirty="0"/>
+              <a:t>“</a:t>
+            </a:r>
+            <a:endParaRPr lang="en-US" altLang="zh-CN" dirty="0"/>
+          </a:p>
+          <a:p>
+            <a:pPr marL="0" indent="0">
+              <a:buNone/>
+            </a:pPr>
+            <a:r>
+              <a:rPr lang="zh-CN" altLang="en-US" dirty="0"/>
+              <a:t>建造者模式一般用来创建更为</a:t>
+            </a:r>
+            <a:r>
+              <a:rPr lang="zh-CN" altLang="en-US" dirty="0">
+                <a:solidFill>
+                  <a:srgbClr val="FF0000"/>
+                </a:solidFill>
+              </a:rPr>
+              <a:t>复杂的对象</a:t>
+            </a:r>
+            <a:r>
+              <a:rPr lang="zh-CN" altLang="en-US" dirty="0"/>
+              <a:t>，因为对象的创建过程更为复杂，因此将对象的创建过程独立出来组成一个新的类</a:t>
+            </a:r>
+            <a:r>
+              <a:rPr lang="en-US" altLang="zh-CN" dirty="0"/>
+              <a:t>——</a:t>
+            </a:r>
+            <a:r>
+              <a:rPr lang="zh-CN" altLang="en-US" dirty="0">
+                <a:solidFill>
+                  <a:srgbClr val="FF0000"/>
+                </a:solidFill>
+                <a:sym typeface="+mn-ea"/>
+              </a:rPr>
+              <a:t>指挥者</a:t>
+            </a:r>
+            <a:r>
+              <a:rPr lang="zh-CN" altLang="en-US" dirty="0">
+                <a:solidFill>
+                  <a:srgbClr val="FF0000"/>
+                </a:solidFill>
+              </a:rPr>
+              <a:t>类</a:t>
+            </a:r>
+            <a:r>
+              <a:rPr lang="zh-CN" altLang="en-US" dirty="0"/>
+              <a:t>。</a:t>
+            </a:r>
+            <a:endParaRPr lang="en-US" altLang="zh-CN" dirty="0"/>
+          </a:p>
+          <a:p>
+            <a:pPr marL="0" indent="0">
+              <a:buNone/>
+            </a:pPr>
+            <a:r>
+              <a:rPr lang="zh-CN" altLang="en-US" dirty="0"/>
+              <a:t>工厂模式是将对象的全部创建过程封装在工厂类中，由工厂类向客户端提供最终的产品；而建造者模式中，建造者类一般只提供产品类中各个组件的建造，而将具体建造过程交付给</a:t>
+            </a:r>
+            <a:r>
+              <a:rPr lang="zh-CN" altLang="en-US" dirty="0">
+                <a:solidFill>
+                  <a:srgbClr val="FF0000"/>
+                </a:solidFill>
+                <a:sym typeface="+mn-ea"/>
+              </a:rPr>
+              <a:t>指挥者</a:t>
+            </a:r>
+            <a:r>
+              <a:rPr lang="zh-CN" altLang="en-US" dirty="0">
+                <a:solidFill>
+                  <a:srgbClr val="FF0000"/>
+                </a:solidFill>
+              </a:rPr>
+              <a:t>类</a:t>
+            </a:r>
+            <a:r>
+              <a:rPr lang="zh-CN" altLang="en-US" dirty="0"/>
+              <a:t>。由</a:t>
+            </a:r>
+            <a:r>
+              <a:rPr lang="zh-CN" altLang="en-US" dirty="0">
+                <a:solidFill>
+                  <a:srgbClr val="FF0000"/>
+                </a:solidFill>
+                <a:sym typeface="+mn-ea"/>
+              </a:rPr>
+              <a:t>指挥者类</a:t>
+            </a:r>
+            <a:r>
+              <a:rPr lang="zh-CN" altLang="en-US" dirty="0"/>
+              <a:t>负责将各个组件按照特定的规则组建为产品，然后将组建好的产品交付给客户端。</a:t>
+            </a:r>
+            <a:endParaRPr lang="zh-CN" altLang="en-US" dirty="0"/>
           </a:p>
         </p:txBody>
       </p:sp>
     </p:spTree>
-    <p:extLst>
-      <p:ext uri="{BB962C8B-B14F-4D97-AF65-F5344CB8AC3E}">
-        <p14:creationId xmlns:p14="http://schemas.microsoft.com/office/powerpoint/2010/main" val="3200955107"/>
-      </p:ext>
-    </p:extLst>
   </p:cSld>
   <p:clrMapOvr>
     <a:masterClrMapping/>
@@ -9096,7 +9836,7 @@
     </a:clrScheme>
     <a:fontScheme name="Wisp">
       <a:majorFont>
-        <a:latin typeface="Century Gothic" panose="020B0502020202020204"/>
+        <a:latin typeface="Century Gothic"/>
         <a:ea typeface=""/>
         <a:cs typeface=""/>
         <a:font script="Jpan" typeface="メイリオ"/>
@@ -9131,7 +9871,7 @@
         <a:font script="Geor" typeface="Sylfaen"/>
       </a:majorFont>
       <a:minorFont>
-        <a:latin typeface="Century Gothic" panose="020B0502020202020204"/>
+        <a:latin typeface="Century Gothic"/>
         <a:ea typeface=""/>
         <a:cs typeface=""/>
         <a:font script="Jpan" typeface="メイリオ"/>
@@ -9286,11 +10026,9 @@
       </a:bgFillStyleLst>
     </a:fmtScheme>
   </a:themeElements>
-  <a:objectDefaults/>
-  <a:extraClrSchemeLst/>
   <a:extLst>
     <a:ext uri="{05A4C25C-085E-4340-85A3-A5531E510DB2}">
-      <thm15:themeFamily xmlns:thm15="http://schemas.microsoft.com/office/thememl/2012/main" name="Wisp" id="{7CB32D59-10C0-40DD-B7BD-2E94284A981C}" vid="{F20B7C8E-B819-43F3-AAF9-EE50B1A83630}"/>
+      <thm15:themeFamily xmlns:thm15="http://schemas.microsoft.com/office/thememl/2012/main" name="Office Theme" id="{62F939B6-93AF-4DB8-9C6B-D6C7DFDC589F}" vid="{4A3C46E8-61CC-4603-A589-7422A47A8E4A}"/>
     </a:ext>
   </a:extLst>
 </a:theme>
